--- a/doc/React-6.pptx
+++ b/doc/React-6.pptx
@@ -11,6 +11,7 @@
     <p:sldId id="260" r:id="rId5"/>
     <p:sldId id="261" r:id="rId6"/>
     <p:sldId id="262" r:id="rId7"/>
+    <p:sldId id="263" r:id="rId8"/>
   </p:sldIdLst>
   <p:sldSz cx="12192000" cy="6858000"/>
   <p:notesSz cx="6858000" cy="9144000"/>
@@ -9221,6 +9222,2379 @@
 </p:sld>
 </file>
 
+<file path=ppt/slides/slide7.xml><?xml version="1.0" encoding="utf-8"?>
+<p:sld xmlns:a="http://schemas.openxmlformats.org/drawingml/2006/main" xmlns:r="http://schemas.openxmlformats.org/officeDocument/2006/relationships" xmlns:p="http://schemas.openxmlformats.org/presentationml/2006/main">
+  <p:cSld>
+    <p:spTree>
+      <p:nvGrpSpPr>
+        <p:cNvPr id="1" name=""/>
+        <p:cNvGrpSpPr/>
+        <p:nvPr/>
+      </p:nvGrpSpPr>
+      <p:grpSpPr>
+        <a:xfrm>
+          <a:off x="0" y="0"/>
+          <a:ext cx="0" cy="0"/>
+          <a:chOff x="0" y="0"/>
+          <a:chExt cx="0" cy="0"/>
+        </a:xfrm>
+      </p:grpSpPr>
+      <p:sp>
+        <p:nvSpPr>
+          <p:cNvPr id="5" name="Title 4">
+            <a:extLst>
+              <a:ext uri="{FF2B5EF4-FFF2-40B4-BE49-F238E27FC236}">
+                <a16:creationId xmlns:a16="http://schemas.microsoft.com/office/drawing/2014/main" id="{A483FC8D-5CFD-4C15-BD75-3A279BB415D1}"/>
+              </a:ext>
+            </a:extLst>
+          </p:cNvPr>
+          <p:cNvSpPr>
+            <a:spLocks noGrp="1"/>
+          </p:cNvSpPr>
+          <p:nvPr>
+            <p:ph type="ctrTitle"/>
+          </p:nvPr>
+        </p:nvSpPr>
+        <p:spPr/>
+        <p:txBody>
+          <a:bodyPr/>
+          <a:lstStyle/>
+          <a:p>
+            <a:endParaRPr lang="en-IN"/>
+          </a:p>
+        </p:txBody>
+      </p:sp>
+      <p:sp>
+        <p:nvSpPr>
+          <p:cNvPr id="8" name="Rectangle 7">
+            <a:extLst>
+              <a:ext uri="{FF2B5EF4-FFF2-40B4-BE49-F238E27FC236}">
+                <a16:creationId xmlns:a16="http://schemas.microsoft.com/office/drawing/2014/main" id="{F6828A24-A604-4414-A7C8-2C2C21EC3AB8}"/>
+              </a:ext>
+            </a:extLst>
+          </p:cNvPr>
+          <p:cNvSpPr/>
+          <p:nvPr/>
+        </p:nvSpPr>
+        <p:spPr>
+          <a:xfrm>
+            <a:off x="0" y="0"/>
+            <a:ext cx="12192000" cy="6679096"/>
+          </a:xfrm>
+          <a:prstGeom prst="rect">
+            <a:avLst/>
+          </a:prstGeom>
+          <a:solidFill>
+            <a:schemeClr val="tx2">
+              <a:lumMod val="20000"/>
+              <a:lumOff val="80000"/>
+            </a:schemeClr>
+          </a:solidFill>
+          <a:ln>
+            <a:noFill/>
+          </a:ln>
+        </p:spPr>
+        <p:style>
+          <a:lnRef idx="2">
+            <a:schemeClr val="accent6"/>
+          </a:lnRef>
+          <a:fillRef idx="1">
+            <a:schemeClr val="lt1"/>
+          </a:fillRef>
+          <a:effectRef idx="0">
+            <a:schemeClr val="accent6"/>
+          </a:effectRef>
+          <a:fontRef idx="minor">
+            <a:schemeClr val="dk1"/>
+          </a:fontRef>
+        </p:style>
+        <p:txBody>
+          <a:bodyPr rtlCol="0" anchor="ctr"/>
+          <a:lstStyle/>
+          <a:p>
+            <a:pPr algn="ctr"/>
+            <a:endParaRPr lang="en-IN"/>
+          </a:p>
+        </p:txBody>
+      </p:sp>
+      <p:sp>
+        <p:nvSpPr>
+          <p:cNvPr id="9" name="TextBox 8">
+            <a:extLst>
+              <a:ext uri="{FF2B5EF4-FFF2-40B4-BE49-F238E27FC236}">
+                <a16:creationId xmlns:a16="http://schemas.microsoft.com/office/drawing/2014/main" id="{3B153EE9-33A6-41D0-AF92-E7242DD2143E}"/>
+              </a:ext>
+            </a:extLst>
+          </p:cNvPr>
+          <p:cNvSpPr txBox="1"/>
+          <p:nvPr/>
+        </p:nvSpPr>
+        <p:spPr>
+          <a:xfrm>
+            <a:off x="168812" y="296205"/>
+            <a:ext cx="10058400" cy="523220"/>
+          </a:xfrm>
+          <a:prstGeom prst="rect">
+            <a:avLst/>
+          </a:prstGeom>
+          <a:noFill/>
+        </p:spPr>
+        <p:txBody>
+          <a:bodyPr wrap="square" rtlCol="0">
+            <a:spAutoFit/>
+          </a:bodyPr>
+          <a:lstStyle/>
+          <a:p>
+            <a:pPr algn="l" fontAlgn="base"/>
+            <a:r>
+              <a:rPr lang="en-IN" sz="2800" b="1" i="0" dirty="0">
+                <a:solidFill>
+                  <a:srgbClr val="0A0A23"/>
+                </a:solidFill>
+                <a:effectLst/>
+                <a:latin typeface="Verdana" panose="020B0604030504040204" pitchFamily="34" charset="0"/>
+                <a:ea typeface="Verdana" panose="020B0604030504040204" pitchFamily="34" charset="0"/>
+              </a:rPr>
+              <a:t>Pass parent state to child as pros</a:t>
+            </a:r>
+          </a:p>
+        </p:txBody>
+      </p:sp>
+      <p:sp>
+        <p:nvSpPr>
+          <p:cNvPr id="10" name="TextBox 9">
+            <a:extLst>
+              <a:ext uri="{FF2B5EF4-FFF2-40B4-BE49-F238E27FC236}">
+                <a16:creationId xmlns:a16="http://schemas.microsoft.com/office/drawing/2014/main" id="{0464230E-1DD5-4FCE-BBDA-ACE54AD381FE}"/>
+              </a:ext>
+            </a:extLst>
+          </p:cNvPr>
+          <p:cNvSpPr txBox="1"/>
+          <p:nvPr/>
+        </p:nvSpPr>
+        <p:spPr>
+          <a:xfrm>
+            <a:off x="168812" y="924188"/>
+            <a:ext cx="5556127" cy="5101397"/>
+          </a:xfrm>
+          <a:prstGeom prst="rect">
+            <a:avLst/>
+          </a:prstGeom>
+          <a:noFill/>
+        </p:spPr>
+        <p:txBody>
+          <a:bodyPr wrap="square" rtlCol="0">
+            <a:spAutoFit/>
+          </a:bodyPr>
+          <a:lstStyle/>
+          <a:p>
+            <a:r>
+              <a:rPr lang="en-IN" sz="1050" b="0" dirty="0">
+                <a:solidFill>
+                  <a:srgbClr val="0000FF"/>
+                </a:solidFill>
+                <a:effectLst/>
+                <a:latin typeface="Consolas" panose="020B0609020204030204" pitchFamily="49" charset="0"/>
+              </a:rPr>
+              <a:t>import</a:t>
+            </a:r>
+            <a:r>
+              <a:rPr lang="en-IN" sz="1050" b="0" dirty="0">
+                <a:solidFill>
+                  <a:srgbClr val="000000"/>
+                </a:solidFill>
+                <a:effectLst/>
+                <a:latin typeface="Consolas" panose="020B0609020204030204" pitchFamily="49" charset="0"/>
+              </a:rPr>
+              <a:t> React, { Component } </a:t>
+            </a:r>
+            <a:r>
+              <a:rPr lang="en-IN" sz="1050" b="0" dirty="0">
+                <a:solidFill>
+                  <a:srgbClr val="0000FF"/>
+                </a:solidFill>
+                <a:effectLst/>
+                <a:latin typeface="Consolas" panose="020B0609020204030204" pitchFamily="49" charset="0"/>
+              </a:rPr>
+              <a:t>from</a:t>
+            </a:r>
+            <a:r>
+              <a:rPr lang="en-IN" sz="1050" b="0" dirty="0">
+                <a:solidFill>
+                  <a:srgbClr val="000000"/>
+                </a:solidFill>
+                <a:effectLst/>
+                <a:latin typeface="Consolas" panose="020B0609020204030204" pitchFamily="49" charset="0"/>
+              </a:rPr>
+              <a:t> </a:t>
+            </a:r>
+            <a:r>
+              <a:rPr lang="en-IN" sz="1050" b="0" dirty="0">
+                <a:solidFill>
+                  <a:srgbClr val="A31515"/>
+                </a:solidFill>
+                <a:effectLst/>
+                <a:latin typeface="Consolas" panose="020B0609020204030204" pitchFamily="49" charset="0"/>
+              </a:rPr>
+              <a:t>'react'</a:t>
+            </a:r>
+            <a:r>
+              <a:rPr lang="en-IN" sz="1050" b="0" dirty="0">
+                <a:solidFill>
+                  <a:srgbClr val="000000"/>
+                </a:solidFill>
+                <a:effectLst/>
+                <a:latin typeface="Consolas" panose="020B0609020204030204" pitchFamily="49" charset="0"/>
+              </a:rPr>
+              <a:t>;</a:t>
+            </a:r>
+          </a:p>
+          <a:p>
+            <a:r>
+              <a:rPr lang="en-IN" sz="1050" b="0" dirty="0">
+                <a:solidFill>
+                  <a:srgbClr val="0000FF"/>
+                </a:solidFill>
+                <a:effectLst/>
+                <a:latin typeface="Consolas" panose="020B0609020204030204" pitchFamily="49" charset="0"/>
+              </a:rPr>
+              <a:t>import</a:t>
+            </a:r>
+            <a:r>
+              <a:rPr lang="en-IN" sz="1050" b="0" dirty="0">
+                <a:solidFill>
+                  <a:srgbClr val="000000"/>
+                </a:solidFill>
+                <a:effectLst/>
+                <a:latin typeface="Consolas" panose="020B0609020204030204" pitchFamily="49" charset="0"/>
+              </a:rPr>
+              <a:t> logo </a:t>
+            </a:r>
+            <a:r>
+              <a:rPr lang="en-IN" sz="1050" b="0" dirty="0">
+                <a:solidFill>
+                  <a:srgbClr val="0000FF"/>
+                </a:solidFill>
+                <a:effectLst/>
+                <a:latin typeface="Consolas" panose="020B0609020204030204" pitchFamily="49" charset="0"/>
+              </a:rPr>
+              <a:t>from</a:t>
+            </a:r>
+            <a:r>
+              <a:rPr lang="en-IN" sz="1050" b="0" dirty="0">
+                <a:solidFill>
+                  <a:srgbClr val="000000"/>
+                </a:solidFill>
+                <a:effectLst/>
+                <a:latin typeface="Consolas" panose="020B0609020204030204" pitchFamily="49" charset="0"/>
+              </a:rPr>
+              <a:t> </a:t>
+            </a:r>
+            <a:r>
+              <a:rPr lang="en-IN" sz="1050" b="0" dirty="0">
+                <a:solidFill>
+                  <a:srgbClr val="A31515"/>
+                </a:solidFill>
+                <a:effectLst/>
+                <a:latin typeface="Consolas" panose="020B0609020204030204" pitchFamily="49" charset="0"/>
+              </a:rPr>
+              <a:t>'./</a:t>
+            </a:r>
+            <a:r>
+              <a:rPr lang="en-IN" sz="1050" b="0" dirty="0" err="1">
+                <a:solidFill>
+                  <a:srgbClr val="A31515"/>
+                </a:solidFill>
+                <a:effectLst/>
+                <a:latin typeface="Consolas" panose="020B0609020204030204" pitchFamily="49" charset="0"/>
+              </a:rPr>
+              <a:t>logo.svg</a:t>
+            </a:r>
+            <a:r>
+              <a:rPr lang="en-IN" sz="1050" b="0" dirty="0">
+                <a:solidFill>
+                  <a:srgbClr val="A31515"/>
+                </a:solidFill>
+                <a:effectLst/>
+                <a:latin typeface="Consolas" panose="020B0609020204030204" pitchFamily="49" charset="0"/>
+              </a:rPr>
+              <a:t>'</a:t>
+            </a:r>
+            <a:r>
+              <a:rPr lang="en-IN" sz="1050" b="0" dirty="0">
+                <a:solidFill>
+                  <a:srgbClr val="000000"/>
+                </a:solidFill>
+                <a:effectLst/>
+                <a:latin typeface="Consolas" panose="020B0609020204030204" pitchFamily="49" charset="0"/>
+              </a:rPr>
+              <a:t>;</a:t>
+            </a:r>
+          </a:p>
+          <a:p>
+            <a:r>
+              <a:rPr lang="en-IN" sz="1050" b="0" dirty="0">
+                <a:solidFill>
+                  <a:srgbClr val="0000FF"/>
+                </a:solidFill>
+                <a:effectLst/>
+                <a:latin typeface="Consolas" panose="020B0609020204030204" pitchFamily="49" charset="0"/>
+              </a:rPr>
+              <a:t>import</a:t>
+            </a:r>
+            <a:r>
+              <a:rPr lang="en-IN" sz="1050" b="0" dirty="0">
+                <a:solidFill>
+                  <a:srgbClr val="000000"/>
+                </a:solidFill>
+                <a:effectLst/>
+                <a:latin typeface="Consolas" panose="020B0609020204030204" pitchFamily="49" charset="0"/>
+              </a:rPr>
+              <a:t> </a:t>
+            </a:r>
+            <a:r>
+              <a:rPr lang="en-IN" sz="1050" b="0" dirty="0">
+                <a:solidFill>
+                  <a:srgbClr val="A31515"/>
+                </a:solidFill>
+                <a:effectLst/>
+                <a:latin typeface="Consolas" panose="020B0609020204030204" pitchFamily="49" charset="0"/>
+              </a:rPr>
+              <a:t>'./App.css'</a:t>
+            </a:r>
+            <a:r>
+              <a:rPr lang="en-IN" sz="1050" b="0" dirty="0">
+                <a:solidFill>
+                  <a:srgbClr val="000000"/>
+                </a:solidFill>
+                <a:effectLst/>
+                <a:latin typeface="Consolas" panose="020B0609020204030204" pitchFamily="49" charset="0"/>
+              </a:rPr>
+              <a:t>;</a:t>
+            </a:r>
+          </a:p>
+          <a:p>
+            <a:r>
+              <a:rPr lang="en-IN" sz="1050" b="0" dirty="0">
+                <a:solidFill>
+                  <a:srgbClr val="0000FF"/>
+                </a:solidFill>
+                <a:effectLst/>
+                <a:latin typeface="Consolas" panose="020B0609020204030204" pitchFamily="49" charset="0"/>
+              </a:rPr>
+              <a:t>import</a:t>
+            </a:r>
+            <a:r>
+              <a:rPr lang="en-IN" sz="1050" b="0" dirty="0">
+                <a:solidFill>
+                  <a:srgbClr val="000000"/>
+                </a:solidFill>
+                <a:effectLst/>
+                <a:latin typeface="Consolas" panose="020B0609020204030204" pitchFamily="49" charset="0"/>
+              </a:rPr>
+              <a:t> Employee </a:t>
+            </a:r>
+            <a:r>
+              <a:rPr lang="en-IN" sz="1050" b="0" dirty="0">
+                <a:solidFill>
+                  <a:srgbClr val="0000FF"/>
+                </a:solidFill>
+                <a:effectLst/>
+                <a:latin typeface="Consolas" panose="020B0609020204030204" pitchFamily="49" charset="0"/>
+              </a:rPr>
+              <a:t>from</a:t>
+            </a:r>
+            <a:r>
+              <a:rPr lang="en-IN" sz="1050" b="0" dirty="0">
+                <a:solidFill>
+                  <a:srgbClr val="000000"/>
+                </a:solidFill>
+                <a:effectLst/>
+                <a:latin typeface="Consolas" panose="020B0609020204030204" pitchFamily="49" charset="0"/>
+              </a:rPr>
+              <a:t> </a:t>
+            </a:r>
+            <a:r>
+              <a:rPr lang="en-IN" sz="1050" b="0" dirty="0">
+                <a:solidFill>
+                  <a:srgbClr val="A31515"/>
+                </a:solidFill>
+                <a:effectLst/>
+                <a:latin typeface="Consolas" panose="020B0609020204030204" pitchFamily="49" charset="0"/>
+              </a:rPr>
+              <a:t>'./Employee'</a:t>
+            </a:r>
+            <a:r>
+              <a:rPr lang="en-IN" sz="1050" b="0" dirty="0">
+                <a:solidFill>
+                  <a:srgbClr val="000000"/>
+                </a:solidFill>
+                <a:effectLst/>
+                <a:latin typeface="Consolas" panose="020B0609020204030204" pitchFamily="49" charset="0"/>
+              </a:rPr>
+              <a:t>;</a:t>
+            </a:r>
+          </a:p>
+          <a:p>
+            <a:br>
+              <a:rPr lang="en-IN" sz="1050" b="0" dirty="0">
+                <a:solidFill>
+                  <a:srgbClr val="000000"/>
+                </a:solidFill>
+                <a:effectLst/>
+                <a:latin typeface="Consolas" panose="020B0609020204030204" pitchFamily="49" charset="0"/>
+              </a:rPr>
+            </a:br>
+            <a:r>
+              <a:rPr lang="en-IN" sz="1050" b="0" dirty="0">
+                <a:solidFill>
+                  <a:srgbClr val="0000FF"/>
+                </a:solidFill>
+                <a:effectLst/>
+                <a:latin typeface="Consolas" panose="020B0609020204030204" pitchFamily="49" charset="0"/>
+              </a:rPr>
+              <a:t>type</a:t>
+            </a:r>
+            <a:r>
+              <a:rPr lang="en-IN" sz="1050" b="0" dirty="0">
+                <a:solidFill>
+                  <a:srgbClr val="000000"/>
+                </a:solidFill>
+                <a:effectLst/>
+                <a:latin typeface="Consolas" panose="020B0609020204030204" pitchFamily="49" charset="0"/>
+              </a:rPr>
+              <a:t> </a:t>
+            </a:r>
+            <a:r>
+              <a:rPr lang="en-IN" sz="1050" b="0" dirty="0" err="1">
+                <a:solidFill>
+                  <a:srgbClr val="000000"/>
+                </a:solidFill>
+                <a:effectLst/>
+                <a:latin typeface="Consolas" panose="020B0609020204030204" pitchFamily="49" charset="0"/>
+              </a:rPr>
+              <a:t>EmployeeState</a:t>
+            </a:r>
+            <a:r>
+              <a:rPr lang="en-IN" sz="1050" b="0" dirty="0">
+                <a:solidFill>
+                  <a:srgbClr val="000000"/>
+                </a:solidFill>
+                <a:effectLst/>
+                <a:latin typeface="Consolas" panose="020B0609020204030204" pitchFamily="49" charset="0"/>
+              </a:rPr>
+              <a:t> = {</a:t>
+            </a:r>
+          </a:p>
+          <a:p>
+            <a:r>
+              <a:rPr lang="en-IN" sz="1050" b="0" dirty="0">
+                <a:solidFill>
+                  <a:srgbClr val="000000"/>
+                </a:solidFill>
+                <a:effectLst/>
+                <a:latin typeface="Consolas" panose="020B0609020204030204" pitchFamily="49" charset="0"/>
+              </a:rPr>
+              <a:t>  </a:t>
+            </a:r>
+            <a:r>
+              <a:rPr lang="en-IN" sz="1050" b="0" dirty="0" err="1">
+                <a:solidFill>
+                  <a:srgbClr val="000000"/>
+                </a:solidFill>
+                <a:effectLst/>
+                <a:latin typeface="Consolas" panose="020B0609020204030204" pitchFamily="49" charset="0"/>
+              </a:rPr>
+              <a:t>name:string</a:t>
+            </a:r>
+            <a:r>
+              <a:rPr lang="en-IN" sz="1050" b="0" dirty="0">
+                <a:solidFill>
+                  <a:srgbClr val="000000"/>
+                </a:solidFill>
+                <a:effectLst/>
+                <a:latin typeface="Consolas" panose="020B0609020204030204" pitchFamily="49" charset="0"/>
+              </a:rPr>
+              <a:t>,</a:t>
+            </a:r>
+          </a:p>
+          <a:p>
+            <a:r>
+              <a:rPr lang="en-IN" sz="1050" b="0" dirty="0">
+                <a:solidFill>
+                  <a:srgbClr val="000000"/>
+                </a:solidFill>
+                <a:effectLst/>
+                <a:latin typeface="Consolas" panose="020B0609020204030204" pitchFamily="49" charset="0"/>
+              </a:rPr>
+              <a:t>  </a:t>
+            </a:r>
+            <a:r>
+              <a:rPr lang="en-IN" sz="1050" b="0" dirty="0" err="1">
+                <a:solidFill>
+                  <a:srgbClr val="000000"/>
+                </a:solidFill>
+                <a:effectLst/>
+                <a:latin typeface="Consolas" panose="020B0609020204030204" pitchFamily="49" charset="0"/>
+              </a:rPr>
+              <a:t>age:number</a:t>
+            </a:r>
+            <a:r>
+              <a:rPr lang="en-IN" sz="1050" b="0" dirty="0">
+                <a:solidFill>
+                  <a:srgbClr val="000000"/>
+                </a:solidFill>
+                <a:effectLst/>
+                <a:latin typeface="Consolas" panose="020B0609020204030204" pitchFamily="49" charset="0"/>
+              </a:rPr>
+              <a:t>,</a:t>
+            </a:r>
+          </a:p>
+          <a:p>
+            <a:r>
+              <a:rPr lang="en-IN" sz="1050" b="0" dirty="0">
+                <a:solidFill>
+                  <a:srgbClr val="000000"/>
+                </a:solidFill>
+                <a:effectLst/>
+                <a:latin typeface="Consolas" panose="020B0609020204030204" pitchFamily="49" charset="0"/>
+              </a:rPr>
+              <a:t>}</a:t>
+            </a:r>
+          </a:p>
+          <a:p>
+            <a:br>
+              <a:rPr lang="en-IN" sz="1050" b="0" dirty="0">
+                <a:solidFill>
+                  <a:srgbClr val="000000"/>
+                </a:solidFill>
+                <a:effectLst/>
+                <a:latin typeface="Consolas" panose="020B0609020204030204" pitchFamily="49" charset="0"/>
+              </a:rPr>
+            </a:br>
+            <a:r>
+              <a:rPr lang="en-IN" sz="1050" b="0" dirty="0">
+                <a:solidFill>
+                  <a:srgbClr val="0000FF"/>
+                </a:solidFill>
+                <a:effectLst/>
+                <a:latin typeface="Consolas" panose="020B0609020204030204" pitchFamily="49" charset="0"/>
+              </a:rPr>
+              <a:t>type</a:t>
+            </a:r>
+            <a:r>
+              <a:rPr lang="en-IN" sz="1050" b="0" dirty="0">
+                <a:solidFill>
+                  <a:srgbClr val="000000"/>
+                </a:solidFill>
+                <a:effectLst/>
+                <a:latin typeface="Consolas" panose="020B0609020204030204" pitchFamily="49" charset="0"/>
+              </a:rPr>
+              <a:t> </a:t>
+            </a:r>
+            <a:r>
+              <a:rPr lang="en-IN" sz="1050" b="0" dirty="0" err="1">
+                <a:solidFill>
+                  <a:srgbClr val="000000"/>
+                </a:solidFill>
+                <a:effectLst/>
+                <a:latin typeface="Consolas" panose="020B0609020204030204" pitchFamily="49" charset="0"/>
+              </a:rPr>
+              <a:t>EmployeeReport</a:t>
+            </a:r>
+            <a:r>
+              <a:rPr lang="en-IN" sz="1050" b="0" dirty="0">
+                <a:solidFill>
+                  <a:srgbClr val="000000"/>
+                </a:solidFill>
+                <a:effectLst/>
+                <a:latin typeface="Consolas" panose="020B0609020204030204" pitchFamily="49" charset="0"/>
+              </a:rPr>
+              <a:t> = {</a:t>
+            </a:r>
+          </a:p>
+          <a:p>
+            <a:r>
+              <a:rPr lang="en-IN" sz="1050" b="0" dirty="0">
+                <a:solidFill>
+                  <a:srgbClr val="000000"/>
+                </a:solidFill>
+                <a:effectLst/>
+                <a:latin typeface="Consolas" panose="020B0609020204030204" pitchFamily="49" charset="0"/>
+              </a:rPr>
+              <a:t>  </a:t>
+            </a:r>
+            <a:r>
+              <a:rPr lang="en-IN" sz="1050" b="0" dirty="0" err="1">
+                <a:solidFill>
+                  <a:srgbClr val="000000"/>
+                </a:solidFill>
+                <a:effectLst/>
+                <a:latin typeface="Consolas" panose="020B0609020204030204" pitchFamily="49" charset="0"/>
+              </a:rPr>
+              <a:t>employeeReport:EmployeeState</a:t>
+            </a:r>
+            <a:r>
+              <a:rPr lang="en-IN" sz="1050" b="0" dirty="0">
+                <a:solidFill>
+                  <a:srgbClr val="000000"/>
+                </a:solidFill>
+                <a:effectLst/>
+                <a:latin typeface="Consolas" panose="020B0609020204030204" pitchFamily="49" charset="0"/>
+              </a:rPr>
+              <a:t>[]</a:t>
+            </a:r>
+          </a:p>
+          <a:p>
+            <a:r>
+              <a:rPr lang="en-IN" sz="1050" b="0" dirty="0">
+                <a:solidFill>
+                  <a:srgbClr val="000000"/>
+                </a:solidFill>
+                <a:effectLst/>
+                <a:latin typeface="Consolas" panose="020B0609020204030204" pitchFamily="49" charset="0"/>
+              </a:rPr>
+              <a:t>}</a:t>
+            </a:r>
+          </a:p>
+          <a:p>
+            <a:br>
+              <a:rPr lang="en-IN" sz="1050" b="0" dirty="0">
+                <a:solidFill>
+                  <a:srgbClr val="000000"/>
+                </a:solidFill>
+                <a:effectLst/>
+                <a:latin typeface="Consolas" panose="020B0609020204030204" pitchFamily="49" charset="0"/>
+              </a:rPr>
+            </a:br>
+            <a:r>
+              <a:rPr lang="en-IN" sz="1050" b="0" dirty="0">
+                <a:solidFill>
+                  <a:srgbClr val="0000FF"/>
+                </a:solidFill>
+                <a:effectLst/>
+                <a:latin typeface="Consolas" panose="020B0609020204030204" pitchFamily="49" charset="0"/>
+              </a:rPr>
+              <a:t>class</a:t>
+            </a:r>
+            <a:r>
+              <a:rPr lang="en-IN" sz="1050" b="0" dirty="0">
+                <a:solidFill>
+                  <a:srgbClr val="000000"/>
+                </a:solidFill>
+                <a:effectLst/>
+                <a:latin typeface="Consolas" panose="020B0609020204030204" pitchFamily="49" charset="0"/>
+              </a:rPr>
+              <a:t> App </a:t>
+            </a:r>
+            <a:r>
+              <a:rPr lang="en-IN" sz="1050" b="0" dirty="0">
+                <a:solidFill>
+                  <a:srgbClr val="0000FF"/>
+                </a:solidFill>
+                <a:effectLst/>
+                <a:latin typeface="Consolas" panose="020B0609020204030204" pitchFamily="49" charset="0"/>
+              </a:rPr>
+              <a:t>extends</a:t>
+            </a:r>
+            <a:r>
+              <a:rPr lang="en-IN" sz="1050" b="0" dirty="0">
+                <a:solidFill>
+                  <a:srgbClr val="000000"/>
+                </a:solidFill>
+                <a:effectLst/>
+                <a:latin typeface="Consolas" panose="020B0609020204030204" pitchFamily="49" charset="0"/>
+              </a:rPr>
+              <a:t> Component &lt;{},</a:t>
+            </a:r>
+            <a:r>
+              <a:rPr lang="en-IN" sz="1050" b="0" dirty="0" err="1">
+                <a:solidFill>
+                  <a:srgbClr val="000000"/>
+                </a:solidFill>
+                <a:effectLst/>
+                <a:latin typeface="Consolas" panose="020B0609020204030204" pitchFamily="49" charset="0"/>
+              </a:rPr>
+              <a:t>EmployeeReport</a:t>
+            </a:r>
+            <a:r>
+              <a:rPr lang="en-IN" sz="1050" b="0" dirty="0">
+                <a:solidFill>
+                  <a:srgbClr val="000000"/>
+                </a:solidFill>
+                <a:effectLst/>
+                <a:latin typeface="Consolas" panose="020B0609020204030204" pitchFamily="49" charset="0"/>
+              </a:rPr>
+              <a:t>&gt; {</a:t>
+            </a:r>
+          </a:p>
+          <a:p>
+            <a:r>
+              <a:rPr lang="en-IN" sz="1050" b="0" dirty="0">
+                <a:solidFill>
+                  <a:srgbClr val="000000"/>
+                </a:solidFill>
+                <a:effectLst/>
+                <a:latin typeface="Consolas" panose="020B0609020204030204" pitchFamily="49" charset="0"/>
+              </a:rPr>
+              <a:t>  </a:t>
+            </a:r>
+            <a:r>
+              <a:rPr lang="en-IN" sz="1050" b="0" dirty="0" err="1">
+                <a:solidFill>
+                  <a:srgbClr val="000000"/>
+                </a:solidFill>
+                <a:effectLst/>
+                <a:latin typeface="Consolas" panose="020B0609020204030204" pitchFamily="49" charset="0"/>
+              </a:rPr>
+              <a:t>state:Readonly</a:t>
+            </a:r>
+            <a:r>
+              <a:rPr lang="en-IN" sz="1050" b="0" dirty="0">
+                <a:solidFill>
+                  <a:srgbClr val="000000"/>
+                </a:solidFill>
+                <a:effectLst/>
+                <a:latin typeface="Consolas" panose="020B0609020204030204" pitchFamily="49" charset="0"/>
+              </a:rPr>
+              <a:t>&lt;</a:t>
+            </a:r>
+            <a:r>
+              <a:rPr lang="en-IN" sz="1050" b="0" dirty="0" err="1">
+                <a:solidFill>
+                  <a:srgbClr val="000000"/>
+                </a:solidFill>
+                <a:effectLst/>
+                <a:latin typeface="Consolas" panose="020B0609020204030204" pitchFamily="49" charset="0"/>
+              </a:rPr>
+              <a:t>EmployeeReport</a:t>
+            </a:r>
+            <a:r>
+              <a:rPr lang="en-IN" sz="1050" b="0" dirty="0">
+                <a:solidFill>
+                  <a:srgbClr val="000000"/>
+                </a:solidFill>
+                <a:effectLst/>
+                <a:latin typeface="Consolas" panose="020B0609020204030204" pitchFamily="49" charset="0"/>
+              </a:rPr>
+              <a:t>&gt; = {</a:t>
+            </a:r>
+          </a:p>
+          <a:p>
+            <a:r>
+              <a:rPr lang="en-IN" sz="1050" b="0" dirty="0">
+                <a:solidFill>
+                  <a:srgbClr val="000000"/>
+                </a:solidFill>
+                <a:effectLst/>
+                <a:latin typeface="Consolas" panose="020B0609020204030204" pitchFamily="49" charset="0"/>
+              </a:rPr>
+              <a:t>    </a:t>
+            </a:r>
+            <a:r>
+              <a:rPr lang="en-IN" sz="1050" b="0" dirty="0" err="1">
+                <a:solidFill>
+                  <a:srgbClr val="000000"/>
+                </a:solidFill>
+                <a:effectLst/>
+                <a:latin typeface="Consolas" panose="020B0609020204030204" pitchFamily="49" charset="0"/>
+              </a:rPr>
+              <a:t>employeeReport</a:t>
+            </a:r>
+            <a:r>
+              <a:rPr lang="en-IN" sz="1050" b="0" dirty="0">
+                <a:solidFill>
+                  <a:srgbClr val="000000"/>
+                </a:solidFill>
+                <a:effectLst/>
+                <a:latin typeface="Consolas" panose="020B0609020204030204" pitchFamily="49" charset="0"/>
+              </a:rPr>
+              <a:t>:[{name:</a:t>
+            </a:r>
+            <a:r>
+              <a:rPr lang="en-IN" sz="1050" b="0" dirty="0">
+                <a:solidFill>
+                  <a:srgbClr val="A31515"/>
+                </a:solidFill>
+                <a:effectLst/>
+                <a:latin typeface="Consolas" panose="020B0609020204030204" pitchFamily="49" charset="0"/>
+              </a:rPr>
+              <a:t>'bharathi'</a:t>
+            </a:r>
+            <a:r>
+              <a:rPr lang="en-IN" sz="1050" b="0" dirty="0">
+                <a:solidFill>
+                  <a:srgbClr val="000000"/>
+                </a:solidFill>
+                <a:effectLst/>
+                <a:latin typeface="Consolas" panose="020B0609020204030204" pitchFamily="49" charset="0"/>
+              </a:rPr>
+              <a:t>,age:</a:t>
+            </a:r>
+            <a:r>
+              <a:rPr lang="en-IN" sz="1050" b="0" dirty="0">
+                <a:solidFill>
+                  <a:srgbClr val="098658"/>
+                </a:solidFill>
+                <a:effectLst/>
+                <a:latin typeface="Consolas" panose="020B0609020204030204" pitchFamily="49" charset="0"/>
+              </a:rPr>
+              <a:t>21</a:t>
+            </a:r>
+            <a:r>
+              <a:rPr lang="en-IN" sz="1050" b="0" dirty="0">
+                <a:solidFill>
+                  <a:srgbClr val="000000"/>
+                </a:solidFill>
+                <a:effectLst/>
+                <a:latin typeface="Consolas" panose="020B0609020204030204" pitchFamily="49" charset="0"/>
+              </a:rPr>
+              <a:t>},{name:</a:t>
+            </a:r>
+            <a:r>
+              <a:rPr lang="en-IN" sz="1050" b="0" dirty="0">
+                <a:solidFill>
+                  <a:srgbClr val="A31515"/>
+                </a:solidFill>
+                <a:effectLst/>
+                <a:latin typeface="Consolas" panose="020B0609020204030204" pitchFamily="49" charset="0"/>
+              </a:rPr>
+              <a:t>'bharathi1'</a:t>
+            </a:r>
+            <a:r>
+              <a:rPr lang="en-IN" sz="1050" b="0" dirty="0">
+                <a:solidFill>
+                  <a:srgbClr val="000000"/>
+                </a:solidFill>
+                <a:effectLst/>
+                <a:latin typeface="Consolas" panose="020B0609020204030204" pitchFamily="49" charset="0"/>
+              </a:rPr>
+              <a:t>,age:</a:t>
+            </a:r>
+            <a:r>
+              <a:rPr lang="en-IN" sz="1050" b="0" dirty="0">
+                <a:solidFill>
+                  <a:srgbClr val="098658"/>
+                </a:solidFill>
+                <a:effectLst/>
+                <a:latin typeface="Consolas" panose="020B0609020204030204" pitchFamily="49" charset="0"/>
+              </a:rPr>
+              <a:t>32</a:t>
+            </a:r>
+            <a:r>
+              <a:rPr lang="en-IN" sz="1050" b="0" dirty="0">
+                <a:solidFill>
+                  <a:srgbClr val="000000"/>
+                </a:solidFill>
+                <a:effectLst/>
+                <a:latin typeface="Consolas" panose="020B0609020204030204" pitchFamily="49" charset="0"/>
+              </a:rPr>
+              <a:t>}]</a:t>
+            </a:r>
+          </a:p>
+          <a:p>
+            <a:br>
+              <a:rPr lang="en-IN" sz="1050" b="0" dirty="0">
+                <a:solidFill>
+                  <a:srgbClr val="000000"/>
+                </a:solidFill>
+                <a:effectLst/>
+                <a:latin typeface="Consolas" panose="020B0609020204030204" pitchFamily="49" charset="0"/>
+              </a:rPr>
+            </a:br>
+            <a:r>
+              <a:rPr lang="en-IN" sz="1050" b="0" dirty="0">
+                <a:solidFill>
+                  <a:srgbClr val="000000"/>
+                </a:solidFill>
+                <a:effectLst/>
+                <a:latin typeface="Consolas" panose="020B0609020204030204" pitchFamily="49" charset="0"/>
+              </a:rPr>
+              <a:t>  }</a:t>
+            </a:r>
+          </a:p>
+          <a:p>
+            <a:r>
+              <a:rPr lang="en-IN" sz="1050" b="0" dirty="0">
+                <a:solidFill>
+                  <a:srgbClr val="000000"/>
+                </a:solidFill>
+                <a:effectLst/>
+                <a:latin typeface="Consolas" panose="020B0609020204030204" pitchFamily="49" charset="0"/>
+              </a:rPr>
+              <a:t>  render(){</a:t>
+            </a:r>
+          </a:p>
+          <a:p>
+            <a:r>
+              <a:rPr lang="en-IN" sz="1050" b="0" dirty="0">
+                <a:solidFill>
+                  <a:srgbClr val="000000"/>
+                </a:solidFill>
+                <a:effectLst/>
+                <a:latin typeface="Consolas" panose="020B0609020204030204" pitchFamily="49" charset="0"/>
+              </a:rPr>
+              <a:t>    </a:t>
+            </a:r>
+            <a:r>
+              <a:rPr lang="en-IN" sz="1050" b="0" dirty="0">
+                <a:solidFill>
+                  <a:srgbClr val="0000FF"/>
+                </a:solidFill>
+                <a:effectLst/>
+                <a:latin typeface="Consolas" panose="020B0609020204030204" pitchFamily="49" charset="0"/>
+              </a:rPr>
+              <a:t>return</a:t>
+            </a:r>
+            <a:r>
+              <a:rPr lang="en-IN" sz="1050" b="0" dirty="0">
+                <a:solidFill>
+                  <a:srgbClr val="000000"/>
+                </a:solidFill>
+                <a:effectLst/>
+                <a:latin typeface="Consolas" panose="020B0609020204030204" pitchFamily="49" charset="0"/>
+              </a:rPr>
+              <a:t>(</a:t>
+            </a:r>
+          </a:p>
+          <a:p>
+            <a:r>
+              <a:rPr lang="en-IN" sz="1050" b="0" dirty="0">
+                <a:solidFill>
+                  <a:srgbClr val="000000"/>
+                </a:solidFill>
+                <a:effectLst/>
+                <a:latin typeface="Consolas" panose="020B0609020204030204" pitchFamily="49" charset="0"/>
+              </a:rPr>
+              <a:t>      </a:t>
+            </a:r>
+            <a:r>
+              <a:rPr lang="en-IN" sz="1050" b="0" dirty="0">
+                <a:solidFill>
+                  <a:srgbClr val="800000"/>
+                </a:solidFill>
+                <a:effectLst/>
+                <a:latin typeface="Consolas" panose="020B0609020204030204" pitchFamily="49" charset="0"/>
+              </a:rPr>
+              <a:t>&lt;Employee</a:t>
+            </a:r>
+            <a:r>
+              <a:rPr lang="en-IN" sz="1050" b="0" dirty="0">
+                <a:solidFill>
+                  <a:srgbClr val="000000"/>
+                </a:solidFill>
+                <a:effectLst/>
+                <a:latin typeface="Consolas" panose="020B0609020204030204" pitchFamily="49" charset="0"/>
+              </a:rPr>
+              <a:t>  </a:t>
+            </a:r>
+            <a:r>
+              <a:rPr lang="en-IN" sz="1050" b="0" dirty="0">
+                <a:solidFill>
+                  <a:srgbClr val="FF0000"/>
+                </a:solidFill>
+                <a:effectLst/>
+                <a:latin typeface="Consolas" panose="020B0609020204030204" pitchFamily="49" charset="0"/>
+              </a:rPr>
+              <a:t>name</a:t>
+            </a:r>
+            <a:r>
+              <a:rPr lang="en-IN" sz="1050" b="0" dirty="0">
+                <a:solidFill>
+                  <a:srgbClr val="000000"/>
+                </a:solidFill>
+                <a:effectLst/>
+                <a:latin typeface="Consolas" panose="020B0609020204030204" pitchFamily="49" charset="0"/>
+              </a:rPr>
+              <a:t>=</a:t>
+            </a:r>
+            <a:r>
+              <a:rPr lang="en-IN" sz="1050" b="0" dirty="0">
+                <a:solidFill>
+                  <a:srgbClr val="0000FF"/>
+                </a:solidFill>
+                <a:effectLst/>
+                <a:latin typeface="Consolas" panose="020B0609020204030204" pitchFamily="49" charset="0"/>
+              </a:rPr>
+              <a:t>{</a:t>
+            </a:r>
+            <a:r>
+              <a:rPr lang="en-IN" sz="1050" b="0" dirty="0" err="1">
+                <a:solidFill>
+                  <a:srgbClr val="0000FF"/>
+                </a:solidFill>
+                <a:effectLst/>
+                <a:latin typeface="Consolas" panose="020B0609020204030204" pitchFamily="49" charset="0"/>
+              </a:rPr>
+              <a:t>this</a:t>
+            </a:r>
+            <a:r>
+              <a:rPr lang="en-IN" sz="1050" b="0" dirty="0" err="1">
+                <a:solidFill>
+                  <a:srgbClr val="000000"/>
+                </a:solidFill>
+                <a:effectLst/>
+                <a:latin typeface="Consolas" panose="020B0609020204030204" pitchFamily="49" charset="0"/>
+              </a:rPr>
+              <a:t>.state.employeeReport</a:t>
+            </a:r>
+            <a:r>
+              <a:rPr lang="en-IN" sz="1050" b="0" dirty="0">
+                <a:solidFill>
+                  <a:srgbClr val="000000"/>
+                </a:solidFill>
+                <a:effectLst/>
+                <a:latin typeface="Consolas" panose="020B0609020204030204" pitchFamily="49" charset="0"/>
+              </a:rPr>
+              <a:t>[</a:t>
+            </a:r>
+            <a:r>
+              <a:rPr lang="en-IN" sz="1050" b="0" dirty="0">
+                <a:solidFill>
+                  <a:srgbClr val="098658"/>
+                </a:solidFill>
+                <a:effectLst/>
+                <a:latin typeface="Consolas" panose="020B0609020204030204" pitchFamily="49" charset="0"/>
+              </a:rPr>
+              <a:t>0</a:t>
+            </a:r>
+            <a:r>
+              <a:rPr lang="en-IN" sz="1050" b="0" dirty="0">
+                <a:solidFill>
+                  <a:srgbClr val="000000"/>
+                </a:solidFill>
+                <a:effectLst/>
+                <a:latin typeface="Consolas" panose="020B0609020204030204" pitchFamily="49" charset="0"/>
+              </a:rPr>
+              <a:t>].name</a:t>
+            </a:r>
+            <a:r>
+              <a:rPr lang="en-IN" sz="1050" b="0" dirty="0">
+                <a:solidFill>
+                  <a:srgbClr val="0000FF"/>
+                </a:solidFill>
+                <a:effectLst/>
+                <a:latin typeface="Consolas" panose="020B0609020204030204" pitchFamily="49" charset="0"/>
+              </a:rPr>
+              <a:t>}</a:t>
+            </a:r>
+            <a:r>
+              <a:rPr lang="en-IN" sz="1050" b="0" dirty="0">
+                <a:solidFill>
+                  <a:srgbClr val="000000"/>
+                </a:solidFill>
+                <a:effectLst/>
+                <a:latin typeface="Consolas" panose="020B0609020204030204" pitchFamily="49" charset="0"/>
+              </a:rPr>
+              <a:t> </a:t>
+            </a:r>
+            <a:r>
+              <a:rPr lang="en-IN" sz="1050" b="0" dirty="0">
+                <a:solidFill>
+                  <a:srgbClr val="FF0000"/>
+                </a:solidFill>
+                <a:effectLst/>
+                <a:latin typeface="Consolas" panose="020B0609020204030204" pitchFamily="49" charset="0"/>
+              </a:rPr>
+              <a:t>age</a:t>
+            </a:r>
+            <a:r>
+              <a:rPr lang="en-IN" sz="1050" b="0" dirty="0">
+                <a:solidFill>
+                  <a:srgbClr val="000000"/>
+                </a:solidFill>
+                <a:effectLst/>
+                <a:latin typeface="Consolas" panose="020B0609020204030204" pitchFamily="49" charset="0"/>
+              </a:rPr>
+              <a:t>=</a:t>
+            </a:r>
+            <a:r>
+              <a:rPr lang="en-IN" sz="1050" b="0" dirty="0">
+                <a:solidFill>
+                  <a:srgbClr val="0000FF"/>
+                </a:solidFill>
+                <a:effectLst/>
+                <a:latin typeface="Consolas" panose="020B0609020204030204" pitchFamily="49" charset="0"/>
+              </a:rPr>
+              <a:t>{</a:t>
+            </a:r>
+            <a:r>
+              <a:rPr lang="en-IN" sz="1050" b="0" dirty="0" err="1">
+                <a:solidFill>
+                  <a:srgbClr val="0000FF"/>
+                </a:solidFill>
+                <a:effectLst/>
+                <a:latin typeface="Consolas" panose="020B0609020204030204" pitchFamily="49" charset="0"/>
+              </a:rPr>
+              <a:t>this</a:t>
+            </a:r>
+            <a:r>
+              <a:rPr lang="en-IN" sz="1050" b="0" dirty="0" err="1">
+                <a:solidFill>
+                  <a:srgbClr val="000000"/>
+                </a:solidFill>
+                <a:effectLst/>
+                <a:latin typeface="Consolas" panose="020B0609020204030204" pitchFamily="49" charset="0"/>
+              </a:rPr>
+              <a:t>.state.employeeReport</a:t>
+            </a:r>
+            <a:r>
+              <a:rPr lang="en-IN" sz="1050" b="0" dirty="0">
+                <a:solidFill>
+                  <a:srgbClr val="000000"/>
+                </a:solidFill>
+                <a:effectLst/>
+                <a:latin typeface="Consolas" panose="020B0609020204030204" pitchFamily="49" charset="0"/>
+              </a:rPr>
+              <a:t>[</a:t>
+            </a:r>
+            <a:r>
+              <a:rPr lang="en-IN" sz="1050" b="0" dirty="0">
+                <a:solidFill>
+                  <a:srgbClr val="098658"/>
+                </a:solidFill>
+                <a:effectLst/>
+                <a:latin typeface="Consolas" panose="020B0609020204030204" pitchFamily="49" charset="0"/>
+              </a:rPr>
+              <a:t>0</a:t>
+            </a:r>
+            <a:r>
+              <a:rPr lang="en-IN" sz="1050" b="0" dirty="0">
+                <a:solidFill>
+                  <a:srgbClr val="000000"/>
+                </a:solidFill>
+                <a:effectLst/>
+                <a:latin typeface="Consolas" panose="020B0609020204030204" pitchFamily="49" charset="0"/>
+              </a:rPr>
+              <a:t>].age</a:t>
+            </a:r>
+            <a:r>
+              <a:rPr lang="en-IN" sz="1050" b="0" dirty="0">
+                <a:solidFill>
+                  <a:srgbClr val="0000FF"/>
+                </a:solidFill>
+                <a:effectLst/>
+                <a:latin typeface="Consolas" panose="020B0609020204030204" pitchFamily="49" charset="0"/>
+              </a:rPr>
+              <a:t>}</a:t>
+            </a:r>
+            <a:r>
+              <a:rPr lang="en-IN" sz="1050" b="0" dirty="0">
+                <a:solidFill>
+                  <a:srgbClr val="800000"/>
+                </a:solidFill>
+                <a:effectLst/>
+                <a:latin typeface="Consolas" panose="020B0609020204030204" pitchFamily="49" charset="0"/>
+              </a:rPr>
+              <a:t>/&gt;</a:t>
+            </a:r>
+            <a:endParaRPr lang="en-IN" sz="1050" b="0" dirty="0">
+              <a:solidFill>
+                <a:srgbClr val="000000"/>
+              </a:solidFill>
+              <a:effectLst/>
+              <a:latin typeface="Consolas" panose="020B0609020204030204" pitchFamily="49" charset="0"/>
+            </a:endParaRPr>
+          </a:p>
+          <a:p>
+            <a:r>
+              <a:rPr lang="en-IN" sz="1050" b="0" dirty="0">
+                <a:solidFill>
+                  <a:srgbClr val="000000"/>
+                </a:solidFill>
+                <a:effectLst/>
+                <a:latin typeface="Consolas" panose="020B0609020204030204" pitchFamily="49" charset="0"/>
+              </a:rPr>
+              <a:t>    );   </a:t>
+            </a:r>
+          </a:p>
+          <a:p>
+            <a:br>
+              <a:rPr lang="en-IN" sz="1050" b="0" dirty="0">
+                <a:solidFill>
+                  <a:srgbClr val="000000"/>
+                </a:solidFill>
+                <a:effectLst/>
+                <a:latin typeface="Consolas" panose="020B0609020204030204" pitchFamily="49" charset="0"/>
+              </a:rPr>
+            </a:br>
+            <a:r>
+              <a:rPr lang="en-IN" sz="1050" b="0" dirty="0">
+                <a:solidFill>
+                  <a:srgbClr val="000000"/>
+                </a:solidFill>
+                <a:effectLst/>
+                <a:latin typeface="Consolas" panose="020B0609020204030204" pitchFamily="49" charset="0"/>
+              </a:rPr>
+              <a:t>  }</a:t>
+            </a:r>
+          </a:p>
+          <a:p>
+            <a:r>
+              <a:rPr lang="en-IN" sz="1050" b="0" dirty="0">
+                <a:solidFill>
+                  <a:srgbClr val="000000"/>
+                </a:solidFill>
+                <a:effectLst/>
+                <a:latin typeface="Consolas" panose="020B0609020204030204" pitchFamily="49" charset="0"/>
+              </a:rPr>
+              <a:t>} </a:t>
+            </a:r>
+          </a:p>
+          <a:p>
+            <a:br>
+              <a:rPr lang="en-IN" sz="1050" b="0" dirty="0">
+                <a:solidFill>
+                  <a:srgbClr val="000000"/>
+                </a:solidFill>
+                <a:effectLst/>
+                <a:latin typeface="Consolas" panose="020B0609020204030204" pitchFamily="49" charset="0"/>
+              </a:rPr>
+            </a:br>
+            <a:r>
+              <a:rPr lang="en-IN" sz="1050" b="0" dirty="0">
+                <a:solidFill>
+                  <a:srgbClr val="0000FF"/>
+                </a:solidFill>
+                <a:effectLst/>
+                <a:latin typeface="Consolas" panose="020B0609020204030204" pitchFamily="49" charset="0"/>
+              </a:rPr>
+              <a:t>export</a:t>
+            </a:r>
+            <a:r>
+              <a:rPr lang="en-IN" sz="1050" b="0" dirty="0">
+                <a:solidFill>
+                  <a:srgbClr val="000000"/>
+                </a:solidFill>
+                <a:effectLst/>
+                <a:latin typeface="Consolas" panose="020B0609020204030204" pitchFamily="49" charset="0"/>
+              </a:rPr>
+              <a:t> </a:t>
+            </a:r>
+            <a:r>
+              <a:rPr lang="en-IN" sz="1050" b="0" dirty="0">
+                <a:solidFill>
+                  <a:srgbClr val="0000FF"/>
+                </a:solidFill>
+                <a:effectLst/>
+                <a:latin typeface="Consolas" panose="020B0609020204030204" pitchFamily="49" charset="0"/>
+              </a:rPr>
+              <a:t>default</a:t>
+            </a:r>
+            <a:r>
+              <a:rPr lang="en-IN" sz="1050" b="0" dirty="0">
+                <a:solidFill>
+                  <a:srgbClr val="000000"/>
+                </a:solidFill>
+                <a:effectLst/>
+                <a:latin typeface="Consolas" panose="020B0609020204030204" pitchFamily="49" charset="0"/>
+              </a:rPr>
+              <a:t> App;</a:t>
+            </a:r>
+          </a:p>
+          <a:p>
+            <a:br>
+              <a:rPr lang="en-IN" sz="1050" b="0" dirty="0">
+                <a:solidFill>
+                  <a:srgbClr val="000000"/>
+                </a:solidFill>
+                <a:effectLst/>
+                <a:latin typeface="Consolas" panose="020B0609020204030204" pitchFamily="49" charset="0"/>
+              </a:rPr>
+            </a:br>
+            <a:endParaRPr lang="en-IN" sz="1050" b="0" dirty="0">
+              <a:solidFill>
+                <a:srgbClr val="000000"/>
+              </a:solidFill>
+              <a:effectLst/>
+              <a:latin typeface="Consolas" panose="020B0609020204030204" pitchFamily="49" charset="0"/>
+            </a:endParaRPr>
+          </a:p>
+        </p:txBody>
+      </p:sp>
+      <p:sp>
+        <p:nvSpPr>
+          <p:cNvPr id="6" name="TextBox 5">
+            <a:extLst>
+              <a:ext uri="{FF2B5EF4-FFF2-40B4-BE49-F238E27FC236}">
+                <a16:creationId xmlns:a16="http://schemas.microsoft.com/office/drawing/2014/main" id="{FA5899AD-5E06-4293-84BF-C6687545E12D}"/>
+              </a:ext>
+            </a:extLst>
+          </p:cNvPr>
+          <p:cNvSpPr txBox="1"/>
+          <p:nvPr/>
+        </p:nvSpPr>
+        <p:spPr>
+          <a:xfrm>
+            <a:off x="6126480" y="819425"/>
+            <a:ext cx="5556127" cy="5586145"/>
+          </a:xfrm>
+          <a:prstGeom prst="rect">
+            <a:avLst/>
+          </a:prstGeom>
+          <a:noFill/>
+        </p:spPr>
+        <p:txBody>
+          <a:bodyPr wrap="square" rtlCol="0">
+            <a:spAutoFit/>
+          </a:bodyPr>
+          <a:lstStyle/>
+          <a:p>
+            <a:r>
+              <a:rPr lang="en-IN" sz="1050" b="0" dirty="0">
+                <a:solidFill>
+                  <a:srgbClr val="0000FF"/>
+                </a:solidFill>
+                <a:effectLst/>
+                <a:latin typeface="Consolas" panose="020B0609020204030204" pitchFamily="49" charset="0"/>
+              </a:rPr>
+              <a:t>import</a:t>
+            </a:r>
+            <a:r>
+              <a:rPr lang="en-IN" sz="1050" b="0" dirty="0">
+                <a:solidFill>
+                  <a:srgbClr val="000000"/>
+                </a:solidFill>
+                <a:effectLst/>
+                <a:latin typeface="Consolas" panose="020B0609020204030204" pitchFamily="49" charset="0"/>
+              </a:rPr>
+              <a:t> React, { Component } </a:t>
+            </a:r>
+            <a:r>
+              <a:rPr lang="en-IN" sz="1050" b="0" dirty="0">
+                <a:solidFill>
+                  <a:srgbClr val="0000FF"/>
+                </a:solidFill>
+                <a:effectLst/>
+                <a:latin typeface="Consolas" panose="020B0609020204030204" pitchFamily="49" charset="0"/>
+              </a:rPr>
+              <a:t>from</a:t>
+            </a:r>
+            <a:r>
+              <a:rPr lang="en-IN" sz="1050" b="0" dirty="0">
+                <a:solidFill>
+                  <a:srgbClr val="000000"/>
+                </a:solidFill>
+                <a:effectLst/>
+                <a:latin typeface="Consolas" panose="020B0609020204030204" pitchFamily="49" charset="0"/>
+              </a:rPr>
+              <a:t> </a:t>
+            </a:r>
+            <a:r>
+              <a:rPr lang="en-IN" sz="1050" b="0" dirty="0">
+                <a:solidFill>
+                  <a:srgbClr val="A31515"/>
+                </a:solidFill>
+                <a:effectLst/>
+                <a:latin typeface="Consolas" panose="020B0609020204030204" pitchFamily="49" charset="0"/>
+              </a:rPr>
+              <a:t>"react"</a:t>
+            </a:r>
+            <a:r>
+              <a:rPr lang="en-IN" sz="1050" b="0" dirty="0">
+                <a:solidFill>
+                  <a:srgbClr val="000000"/>
+                </a:solidFill>
+                <a:effectLst/>
+                <a:latin typeface="Consolas" panose="020B0609020204030204" pitchFamily="49" charset="0"/>
+              </a:rPr>
+              <a:t>;</a:t>
+            </a:r>
+          </a:p>
+          <a:p>
+            <a:br>
+              <a:rPr lang="en-IN" sz="1050" b="0" dirty="0">
+                <a:solidFill>
+                  <a:srgbClr val="000000"/>
+                </a:solidFill>
+                <a:effectLst/>
+                <a:latin typeface="Consolas" panose="020B0609020204030204" pitchFamily="49" charset="0"/>
+              </a:rPr>
+            </a:br>
+            <a:r>
+              <a:rPr lang="en-IN" sz="1050" b="0" dirty="0">
+                <a:solidFill>
+                  <a:srgbClr val="008000"/>
+                </a:solidFill>
+                <a:effectLst/>
+                <a:latin typeface="Consolas" panose="020B0609020204030204" pitchFamily="49" charset="0"/>
+              </a:rPr>
+              <a:t>/* type </a:t>
+            </a:r>
+            <a:r>
+              <a:rPr lang="en-IN" sz="1050" b="0" dirty="0" err="1">
+                <a:solidFill>
+                  <a:srgbClr val="008000"/>
+                </a:solidFill>
+                <a:effectLst/>
+                <a:latin typeface="Consolas" panose="020B0609020204030204" pitchFamily="49" charset="0"/>
+              </a:rPr>
+              <a:t>EmployeeStage</a:t>
+            </a:r>
+            <a:r>
+              <a:rPr lang="en-IN" sz="1050" b="0" dirty="0">
+                <a:solidFill>
+                  <a:srgbClr val="008000"/>
+                </a:solidFill>
+                <a:effectLst/>
+                <a:latin typeface="Consolas" panose="020B0609020204030204" pitchFamily="49" charset="0"/>
+              </a:rPr>
+              <a:t> = {</a:t>
+            </a:r>
+            <a:endParaRPr lang="en-IN" sz="1050" b="0" dirty="0">
+              <a:solidFill>
+                <a:srgbClr val="000000"/>
+              </a:solidFill>
+              <a:effectLst/>
+              <a:latin typeface="Consolas" panose="020B0609020204030204" pitchFamily="49" charset="0"/>
+            </a:endParaRPr>
+          </a:p>
+          <a:p>
+            <a:r>
+              <a:rPr lang="en-IN" sz="1050" b="0" dirty="0">
+                <a:solidFill>
+                  <a:srgbClr val="008000"/>
+                </a:solidFill>
+                <a:effectLst/>
+                <a:latin typeface="Consolas" panose="020B0609020204030204" pitchFamily="49" charset="0"/>
+              </a:rPr>
+              <a:t>    </a:t>
+            </a:r>
+            <a:r>
+              <a:rPr lang="en-IN" sz="1050" b="0" dirty="0" err="1">
+                <a:solidFill>
+                  <a:srgbClr val="008000"/>
+                </a:solidFill>
+                <a:effectLst/>
+                <a:latin typeface="Consolas" panose="020B0609020204030204" pitchFamily="49" charset="0"/>
+              </a:rPr>
+              <a:t>name:string</a:t>
+            </a:r>
+            <a:r>
+              <a:rPr lang="en-IN" sz="1050" b="0" dirty="0">
+                <a:solidFill>
+                  <a:srgbClr val="008000"/>
+                </a:solidFill>
+                <a:effectLst/>
+                <a:latin typeface="Consolas" panose="020B0609020204030204" pitchFamily="49" charset="0"/>
+              </a:rPr>
+              <a:t>,</a:t>
+            </a:r>
+            <a:endParaRPr lang="en-IN" sz="1050" b="0" dirty="0">
+              <a:solidFill>
+                <a:srgbClr val="000000"/>
+              </a:solidFill>
+              <a:effectLst/>
+              <a:latin typeface="Consolas" panose="020B0609020204030204" pitchFamily="49" charset="0"/>
+            </a:endParaRPr>
+          </a:p>
+          <a:p>
+            <a:r>
+              <a:rPr lang="en-IN" sz="1050" b="0" dirty="0">
+                <a:solidFill>
+                  <a:srgbClr val="008000"/>
+                </a:solidFill>
+                <a:effectLst/>
+                <a:latin typeface="Consolas" panose="020B0609020204030204" pitchFamily="49" charset="0"/>
+              </a:rPr>
+              <a:t>    </a:t>
+            </a:r>
+            <a:r>
+              <a:rPr lang="en-IN" sz="1050" b="0" dirty="0" err="1">
+                <a:solidFill>
+                  <a:srgbClr val="008000"/>
+                </a:solidFill>
+                <a:effectLst/>
+                <a:latin typeface="Consolas" panose="020B0609020204030204" pitchFamily="49" charset="0"/>
+              </a:rPr>
+              <a:t>age:number</a:t>
+            </a:r>
+            <a:r>
+              <a:rPr lang="en-IN" sz="1050" b="0" dirty="0">
+                <a:solidFill>
+                  <a:srgbClr val="008000"/>
+                </a:solidFill>
+                <a:effectLst/>
+                <a:latin typeface="Consolas" panose="020B0609020204030204" pitchFamily="49" charset="0"/>
+              </a:rPr>
+              <a:t>,</a:t>
+            </a:r>
+            <a:endParaRPr lang="en-IN" sz="1050" b="0" dirty="0">
+              <a:solidFill>
+                <a:srgbClr val="000000"/>
+              </a:solidFill>
+              <a:effectLst/>
+              <a:latin typeface="Consolas" panose="020B0609020204030204" pitchFamily="49" charset="0"/>
+            </a:endParaRPr>
+          </a:p>
+          <a:p>
+            <a:r>
+              <a:rPr lang="en-IN" sz="1050" b="0" dirty="0">
+                <a:solidFill>
+                  <a:srgbClr val="008000"/>
+                </a:solidFill>
+                <a:effectLst/>
+                <a:latin typeface="Consolas" panose="020B0609020204030204" pitchFamily="49" charset="0"/>
+              </a:rPr>
+              <a:t>    city?:string</a:t>
+            </a:r>
+            <a:endParaRPr lang="en-IN" sz="1050" b="0" dirty="0">
+              <a:solidFill>
+                <a:srgbClr val="000000"/>
+              </a:solidFill>
+              <a:effectLst/>
+              <a:latin typeface="Consolas" panose="020B0609020204030204" pitchFamily="49" charset="0"/>
+            </a:endParaRPr>
+          </a:p>
+          <a:p>
+            <a:r>
+              <a:rPr lang="en-IN" sz="1050" b="0" dirty="0">
+                <a:solidFill>
+                  <a:srgbClr val="008000"/>
+                </a:solidFill>
+                <a:effectLst/>
+                <a:latin typeface="Consolas" panose="020B0609020204030204" pitchFamily="49" charset="0"/>
+              </a:rPr>
+              <a:t>} */</a:t>
+            </a:r>
+            <a:endParaRPr lang="en-IN" sz="1050" b="0" dirty="0">
+              <a:solidFill>
+                <a:srgbClr val="000000"/>
+              </a:solidFill>
+              <a:effectLst/>
+              <a:latin typeface="Consolas" panose="020B0609020204030204" pitchFamily="49" charset="0"/>
+            </a:endParaRPr>
+          </a:p>
+          <a:p>
+            <a:r>
+              <a:rPr lang="en-IN" sz="1050" b="0" dirty="0">
+                <a:solidFill>
+                  <a:srgbClr val="008000"/>
+                </a:solidFill>
+                <a:effectLst/>
+                <a:latin typeface="Consolas" panose="020B0609020204030204" pitchFamily="49" charset="0"/>
+              </a:rPr>
+              <a:t>/* interface </a:t>
+            </a:r>
+            <a:r>
+              <a:rPr lang="en-IN" sz="1050" b="0" dirty="0" err="1">
+                <a:solidFill>
+                  <a:srgbClr val="008000"/>
+                </a:solidFill>
+                <a:effectLst/>
+                <a:latin typeface="Consolas" panose="020B0609020204030204" pitchFamily="49" charset="0"/>
+              </a:rPr>
+              <a:t>EmployeeStage</a:t>
+            </a:r>
+            <a:r>
+              <a:rPr lang="en-IN" sz="1050" b="0" dirty="0">
+                <a:solidFill>
+                  <a:srgbClr val="008000"/>
+                </a:solidFill>
+                <a:effectLst/>
+                <a:latin typeface="Consolas" panose="020B0609020204030204" pitchFamily="49" charset="0"/>
+              </a:rPr>
+              <a:t>{</a:t>
+            </a:r>
+            <a:endParaRPr lang="en-IN" sz="1050" b="0" dirty="0">
+              <a:solidFill>
+                <a:srgbClr val="000000"/>
+              </a:solidFill>
+              <a:effectLst/>
+              <a:latin typeface="Consolas" panose="020B0609020204030204" pitchFamily="49" charset="0"/>
+            </a:endParaRPr>
+          </a:p>
+          <a:p>
+            <a:r>
+              <a:rPr lang="en-IN" sz="1050" b="0" dirty="0">
+                <a:solidFill>
+                  <a:srgbClr val="008000"/>
+                </a:solidFill>
+                <a:effectLst/>
+                <a:latin typeface="Consolas" panose="020B0609020204030204" pitchFamily="49" charset="0"/>
+              </a:rPr>
+              <a:t>    </a:t>
+            </a:r>
+            <a:r>
+              <a:rPr lang="en-IN" sz="1050" b="0" dirty="0" err="1">
+                <a:solidFill>
+                  <a:srgbClr val="008000"/>
+                </a:solidFill>
+                <a:effectLst/>
+                <a:latin typeface="Consolas" panose="020B0609020204030204" pitchFamily="49" charset="0"/>
+              </a:rPr>
+              <a:t>name:string</a:t>
+            </a:r>
+            <a:r>
+              <a:rPr lang="en-IN" sz="1050" b="0" dirty="0">
+                <a:solidFill>
+                  <a:srgbClr val="008000"/>
+                </a:solidFill>
+                <a:effectLst/>
+                <a:latin typeface="Consolas" panose="020B0609020204030204" pitchFamily="49" charset="0"/>
+              </a:rPr>
+              <a:t>,</a:t>
+            </a:r>
+            <a:endParaRPr lang="en-IN" sz="1050" b="0" dirty="0">
+              <a:solidFill>
+                <a:srgbClr val="000000"/>
+              </a:solidFill>
+              <a:effectLst/>
+              <a:latin typeface="Consolas" panose="020B0609020204030204" pitchFamily="49" charset="0"/>
+            </a:endParaRPr>
+          </a:p>
+          <a:p>
+            <a:r>
+              <a:rPr lang="en-IN" sz="1050" b="0" dirty="0">
+                <a:solidFill>
+                  <a:srgbClr val="008000"/>
+                </a:solidFill>
+                <a:effectLst/>
+                <a:latin typeface="Consolas" panose="020B0609020204030204" pitchFamily="49" charset="0"/>
+              </a:rPr>
+              <a:t>    </a:t>
+            </a:r>
+            <a:r>
+              <a:rPr lang="en-IN" sz="1050" b="0" dirty="0" err="1">
+                <a:solidFill>
+                  <a:srgbClr val="008000"/>
+                </a:solidFill>
+                <a:effectLst/>
+                <a:latin typeface="Consolas" panose="020B0609020204030204" pitchFamily="49" charset="0"/>
+              </a:rPr>
+              <a:t>age:number</a:t>
+            </a:r>
+            <a:r>
+              <a:rPr lang="en-IN" sz="1050" b="0" dirty="0">
+                <a:solidFill>
+                  <a:srgbClr val="008000"/>
+                </a:solidFill>
+                <a:effectLst/>
+                <a:latin typeface="Consolas" panose="020B0609020204030204" pitchFamily="49" charset="0"/>
+              </a:rPr>
+              <a:t>,</a:t>
+            </a:r>
+            <a:endParaRPr lang="en-IN" sz="1050" b="0" dirty="0">
+              <a:solidFill>
+                <a:srgbClr val="000000"/>
+              </a:solidFill>
+              <a:effectLst/>
+              <a:latin typeface="Consolas" panose="020B0609020204030204" pitchFamily="49" charset="0"/>
+            </a:endParaRPr>
+          </a:p>
+          <a:p>
+            <a:r>
+              <a:rPr lang="en-IN" sz="1050" b="0" dirty="0">
+                <a:solidFill>
+                  <a:srgbClr val="008000"/>
+                </a:solidFill>
+                <a:effectLst/>
+                <a:latin typeface="Consolas" panose="020B0609020204030204" pitchFamily="49" charset="0"/>
+              </a:rPr>
+              <a:t>    city?:string</a:t>
+            </a:r>
+            <a:endParaRPr lang="en-IN" sz="1050" b="0" dirty="0">
+              <a:solidFill>
+                <a:srgbClr val="000000"/>
+              </a:solidFill>
+              <a:effectLst/>
+              <a:latin typeface="Consolas" panose="020B0609020204030204" pitchFamily="49" charset="0"/>
+            </a:endParaRPr>
+          </a:p>
+          <a:p>
+            <a:r>
+              <a:rPr lang="en-IN" sz="1050" b="0" dirty="0">
+                <a:solidFill>
+                  <a:srgbClr val="008000"/>
+                </a:solidFill>
+                <a:effectLst/>
+                <a:latin typeface="Consolas" panose="020B0609020204030204" pitchFamily="49" charset="0"/>
+              </a:rPr>
+              <a:t>} */</a:t>
+            </a:r>
+            <a:endParaRPr lang="en-IN" sz="1050" b="0" dirty="0">
+              <a:solidFill>
+                <a:srgbClr val="000000"/>
+              </a:solidFill>
+              <a:effectLst/>
+              <a:latin typeface="Consolas" panose="020B0609020204030204" pitchFamily="49" charset="0"/>
+            </a:endParaRPr>
+          </a:p>
+          <a:p>
+            <a:r>
+              <a:rPr lang="en-IN" sz="1050" b="0" dirty="0">
+                <a:solidFill>
+                  <a:srgbClr val="008000"/>
+                </a:solidFill>
+                <a:effectLst/>
+                <a:latin typeface="Consolas" panose="020B0609020204030204" pitchFamily="49" charset="0"/>
+              </a:rPr>
+              <a:t>/*type </a:t>
+            </a:r>
+            <a:r>
+              <a:rPr lang="en-IN" sz="1050" b="0" dirty="0" err="1">
+                <a:solidFill>
+                  <a:srgbClr val="008000"/>
+                </a:solidFill>
+                <a:effectLst/>
+                <a:latin typeface="Consolas" panose="020B0609020204030204" pitchFamily="49" charset="0"/>
+              </a:rPr>
+              <a:t>EmployeeProps</a:t>
+            </a:r>
+            <a:r>
+              <a:rPr lang="en-IN" sz="1050" b="0" dirty="0">
+                <a:solidFill>
+                  <a:srgbClr val="008000"/>
+                </a:solidFill>
+                <a:effectLst/>
+                <a:latin typeface="Consolas" panose="020B0609020204030204" pitchFamily="49" charset="0"/>
+              </a:rPr>
+              <a:t> = {</a:t>
+            </a:r>
+            <a:endParaRPr lang="en-IN" sz="1050" b="0" dirty="0">
+              <a:solidFill>
+                <a:srgbClr val="000000"/>
+              </a:solidFill>
+              <a:effectLst/>
+              <a:latin typeface="Consolas" panose="020B0609020204030204" pitchFamily="49" charset="0"/>
+            </a:endParaRPr>
+          </a:p>
+          <a:p>
+            <a:r>
+              <a:rPr lang="en-IN" sz="1050" b="0" dirty="0">
+                <a:solidFill>
+                  <a:srgbClr val="008000"/>
+                </a:solidFill>
+                <a:effectLst/>
+                <a:latin typeface="Consolas" panose="020B0609020204030204" pitchFamily="49" charset="0"/>
+              </a:rPr>
+              <a:t>    company :string,</a:t>
+            </a:r>
+            <a:endParaRPr lang="en-IN" sz="1050" b="0" dirty="0">
+              <a:solidFill>
+                <a:srgbClr val="000000"/>
+              </a:solidFill>
+              <a:effectLst/>
+              <a:latin typeface="Consolas" panose="020B0609020204030204" pitchFamily="49" charset="0"/>
+            </a:endParaRPr>
+          </a:p>
+          <a:p>
+            <a:r>
+              <a:rPr lang="en-IN" sz="1050" b="0" dirty="0">
+                <a:solidFill>
+                  <a:srgbClr val="008000"/>
+                </a:solidFill>
+                <a:effectLst/>
+                <a:latin typeface="Consolas" panose="020B0609020204030204" pitchFamily="49" charset="0"/>
+              </a:rPr>
+              <a:t>    change : ()=&gt;void;</a:t>
+            </a:r>
+            <a:endParaRPr lang="en-IN" sz="1050" b="0" dirty="0">
+              <a:solidFill>
+                <a:srgbClr val="000000"/>
+              </a:solidFill>
+              <a:effectLst/>
+              <a:latin typeface="Consolas" panose="020B0609020204030204" pitchFamily="49" charset="0"/>
+            </a:endParaRPr>
+          </a:p>
+          <a:p>
+            <a:r>
+              <a:rPr lang="en-IN" sz="1050" b="0" dirty="0">
+                <a:solidFill>
+                  <a:srgbClr val="008000"/>
+                </a:solidFill>
+                <a:effectLst/>
+                <a:latin typeface="Consolas" panose="020B0609020204030204" pitchFamily="49" charset="0"/>
+              </a:rPr>
+              <a:t>}*/</a:t>
+            </a:r>
+            <a:endParaRPr lang="en-IN" sz="1050" b="0" dirty="0">
+              <a:solidFill>
+                <a:srgbClr val="000000"/>
+              </a:solidFill>
+              <a:effectLst/>
+              <a:latin typeface="Consolas" panose="020B0609020204030204" pitchFamily="49" charset="0"/>
+            </a:endParaRPr>
+          </a:p>
+          <a:p>
+            <a:br>
+              <a:rPr lang="en-IN" sz="1050" b="0" dirty="0">
+                <a:solidFill>
+                  <a:srgbClr val="000000"/>
+                </a:solidFill>
+                <a:effectLst/>
+                <a:latin typeface="Consolas" panose="020B0609020204030204" pitchFamily="49" charset="0"/>
+              </a:rPr>
+            </a:br>
+            <a:r>
+              <a:rPr lang="en-IN" sz="1050" b="0" dirty="0">
+                <a:solidFill>
+                  <a:srgbClr val="0000FF"/>
+                </a:solidFill>
+                <a:effectLst/>
+                <a:latin typeface="Consolas" panose="020B0609020204030204" pitchFamily="49" charset="0"/>
+              </a:rPr>
+              <a:t>type</a:t>
+            </a:r>
+            <a:r>
+              <a:rPr lang="en-IN" sz="1050" b="0" dirty="0">
+                <a:solidFill>
+                  <a:srgbClr val="000000"/>
+                </a:solidFill>
+                <a:effectLst/>
+                <a:latin typeface="Consolas" panose="020B0609020204030204" pitchFamily="49" charset="0"/>
+              </a:rPr>
+              <a:t> </a:t>
+            </a:r>
+            <a:r>
+              <a:rPr lang="en-IN" sz="1050" b="0" dirty="0" err="1">
+                <a:solidFill>
+                  <a:srgbClr val="000000"/>
+                </a:solidFill>
+                <a:effectLst/>
+                <a:latin typeface="Consolas" panose="020B0609020204030204" pitchFamily="49" charset="0"/>
+              </a:rPr>
+              <a:t>EmployeeProps</a:t>
+            </a:r>
+            <a:r>
+              <a:rPr lang="en-IN" sz="1050" b="0" dirty="0">
+                <a:solidFill>
+                  <a:srgbClr val="000000"/>
+                </a:solidFill>
+                <a:effectLst/>
+                <a:latin typeface="Consolas" panose="020B0609020204030204" pitchFamily="49" charset="0"/>
+              </a:rPr>
+              <a:t> = {</a:t>
+            </a:r>
+          </a:p>
+          <a:p>
+            <a:r>
+              <a:rPr lang="en-IN" sz="1050" b="0" dirty="0">
+                <a:solidFill>
+                  <a:srgbClr val="000000"/>
+                </a:solidFill>
+                <a:effectLst/>
+                <a:latin typeface="Consolas" panose="020B0609020204030204" pitchFamily="49" charset="0"/>
+              </a:rPr>
+              <a:t>    </a:t>
+            </a:r>
+            <a:r>
+              <a:rPr lang="en-IN" sz="1050" b="0" dirty="0" err="1">
+                <a:solidFill>
+                  <a:srgbClr val="000000"/>
+                </a:solidFill>
+                <a:effectLst/>
+                <a:latin typeface="Consolas" panose="020B0609020204030204" pitchFamily="49" charset="0"/>
+              </a:rPr>
+              <a:t>name:string</a:t>
+            </a:r>
+            <a:r>
+              <a:rPr lang="en-IN" sz="1050" b="0" dirty="0">
+                <a:solidFill>
+                  <a:srgbClr val="000000"/>
+                </a:solidFill>
+                <a:effectLst/>
+                <a:latin typeface="Consolas" panose="020B0609020204030204" pitchFamily="49" charset="0"/>
+              </a:rPr>
+              <a:t>,</a:t>
+            </a:r>
+          </a:p>
+          <a:p>
+            <a:r>
+              <a:rPr lang="en-IN" sz="1050" b="0" dirty="0">
+                <a:solidFill>
+                  <a:srgbClr val="000000"/>
+                </a:solidFill>
+                <a:effectLst/>
+                <a:latin typeface="Consolas" panose="020B0609020204030204" pitchFamily="49" charset="0"/>
+              </a:rPr>
+              <a:t>    </a:t>
+            </a:r>
+            <a:r>
+              <a:rPr lang="en-IN" sz="1050" b="0" dirty="0" err="1">
+                <a:solidFill>
+                  <a:srgbClr val="000000"/>
+                </a:solidFill>
+                <a:effectLst/>
+                <a:latin typeface="Consolas" panose="020B0609020204030204" pitchFamily="49" charset="0"/>
+              </a:rPr>
+              <a:t>age:number</a:t>
+            </a:r>
+            <a:r>
+              <a:rPr lang="en-IN" sz="1050" b="0" dirty="0">
+                <a:solidFill>
+                  <a:srgbClr val="000000"/>
+                </a:solidFill>
+                <a:effectLst/>
+                <a:latin typeface="Consolas" panose="020B0609020204030204" pitchFamily="49" charset="0"/>
+              </a:rPr>
+              <a:t>,</a:t>
+            </a:r>
+          </a:p>
+          <a:p>
+            <a:r>
+              <a:rPr lang="en-IN" sz="1050" b="0" dirty="0">
+                <a:solidFill>
+                  <a:srgbClr val="000000"/>
+                </a:solidFill>
+                <a:effectLst/>
+                <a:latin typeface="Consolas" panose="020B0609020204030204" pitchFamily="49" charset="0"/>
+              </a:rPr>
+              <a:t>}</a:t>
+            </a:r>
+          </a:p>
+          <a:p>
+            <a:r>
+              <a:rPr lang="en-IN" sz="1050" b="0" dirty="0">
+                <a:solidFill>
+                  <a:srgbClr val="0000FF"/>
+                </a:solidFill>
+                <a:effectLst/>
+                <a:latin typeface="Consolas" panose="020B0609020204030204" pitchFamily="49" charset="0"/>
+              </a:rPr>
+              <a:t>class</a:t>
+            </a:r>
+            <a:r>
+              <a:rPr lang="en-IN" sz="1050" b="0" dirty="0">
+                <a:solidFill>
+                  <a:srgbClr val="000000"/>
+                </a:solidFill>
+                <a:effectLst/>
+                <a:latin typeface="Consolas" panose="020B0609020204030204" pitchFamily="49" charset="0"/>
+              </a:rPr>
+              <a:t> Employee </a:t>
+            </a:r>
+            <a:r>
+              <a:rPr lang="en-IN" sz="1050" b="0" dirty="0">
+                <a:solidFill>
+                  <a:srgbClr val="0000FF"/>
+                </a:solidFill>
+                <a:effectLst/>
+                <a:latin typeface="Consolas" panose="020B0609020204030204" pitchFamily="49" charset="0"/>
+              </a:rPr>
+              <a:t>extends</a:t>
+            </a:r>
+            <a:r>
+              <a:rPr lang="en-IN" sz="1050" b="0" dirty="0">
+                <a:solidFill>
+                  <a:srgbClr val="000000"/>
+                </a:solidFill>
+                <a:effectLst/>
+                <a:latin typeface="Consolas" panose="020B0609020204030204" pitchFamily="49" charset="0"/>
+              </a:rPr>
+              <a:t> Component&lt;</a:t>
+            </a:r>
+            <a:r>
+              <a:rPr lang="en-IN" sz="1050" b="0" dirty="0" err="1">
+                <a:solidFill>
+                  <a:srgbClr val="000000"/>
+                </a:solidFill>
+                <a:effectLst/>
+                <a:latin typeface="Consolas" panose="020B0609020204030204" pitchFamily="49" charset="0"/>
+              </a:rPr>
+              <a:t>EmployeeProps</a:t>
+            </a:r>
+            <a:r>
+              <a:rPr lang="en-IN" sz="1050" b="0" dirty="0">
+                <a:solidFill>
+                  <a:srgbClr val="000000"/>
+                </a:solidFill>
+                <a:effectLst/>
+                <a:latin typeface="Consolas" panose="020B0609020204030204" pitchFamily="49" charset="0"/>
+              </a:rPr>
+              <a:t>,{}&gt;{</a:t>
+            </a:r>
+          </a:p>
+          <a:p>
+            <a:r>
+              <a:rPr lang="en-IN" sz="1050" b="0" dirty="0">
+                <a:solidFill>
+                  <a:srgbClr val="000000"/>
+                </a:solidFill>
+                <a:effectLst/>
+                <a:latin typeface="Consolas" panose="020B0609020204030204" pitchFamily="49" charset="0"/>
+              </a:rPr>
+              <a:t>    </a:t>
+            </a:r>
+          </a:p>
+          <a:p>
+            <a:r>
+              <a:rPr lang="en-IN" sz="1050" b="0" dirty="0">
+                <a:solidFill>
+                  <a:srgbClr val="000000"/>
+                </a:solidFill>
+                <a:effectLst/>
+                <a:latin typeface="Consolas" panose="020B0609020204030204" pitchFamily="49" charset="0"/>
+              </a:rPr>
+              <a:t>    render():</a:t>
+            </a:r>
+            <a:r>
+              <a:rPr lang="en-IN" sz="1050" b="0" dirty="0" err="1">
+                <a:solidFill>
+                  <a:srgbClr val="000000"/>
+                </a:solidFill>
+                <a:effectLst/>
+                <a:latin typeface="Consolas" panose="020B0609020204030204" pitchFamily="49" charset="0"/>
+              </a:rPr>
+              <a:t>JSX.Element</a:t>
+            </a:r>
+            <a:r>
+              <a:rPr lang="en-IN" sz="1050" b="0" dirty="0">
+                <a:solidFill>
+                  <a:srgbClr val="000000"/>
+                </a:solidFill>
+                <a:effectLst/>
+                <a:latin typeface="Consolas" panose="020B0609020204030204" pitchFamily="49" charset="0"/>
+              </a:rPr>
+              <a:t>{</a:t>
+            </a:r>
+          </a:p>
+          <a:p>
+            <a:r>
+              <a:rPr lang="en-IN" sz="1050" b="0" dirty="0">
+                <a:solidFill>
+                  <a:srgbClr val="000000"/>
+                </a:solidFill>
+                <a:effectLst/>
+                <a:latin typeface="Consolas" panose="020B0609020204030204" pitchFamily="49" charset="0"/>
+              </a:rPr>
+              <a:t>        </a:t>
+            </a:r>
+            <a:r>
+              <a:rPr lang="en-IN" sz="1050" b="0" dirty="0">
+                <a:solidFill>
+                  <a:srgbClr val="0000FF"/>
+                </a:solidFill>
+                <a:effectLst/>
+                <a:latin typeface="Consolas" panose="020B0609020204030204" pitchFamily="49" charset="0"/>
+              </a:rPr>
+              <a:t>return</a:t>
+            </a:r>
+            <a:r>
+              <a:rPr lang="en-IN" sz="1050" b="0" dirty="0">
+                <a:solidFill>
+                  <a:srgbClr val="000000"/>
+                </a:solidFill>
+                <a:effectLst/>
+                <a:latin typeface="Consolas" panose="020B0609020204030204" pitchFamily="49" charset="0"/>
+              </a:rPr>
+              <a:t>(</a:t>
+            </a:r>
+          </a:p>
+          <a:p>
+            <a:r>
+              <a:rPr lang="en-IN" sz="1050" b="0" dirty="0">
+                <a:solidFill>
+                  <a:srgbClr val="000000"/>
+                </a:solidFill>
+                <a:effectLst/>
+                <a:latin typeface="Consolas" panose="020B0609020204030204" pitchFamily="49" charset="0"/>
+              </a:rPr>
+              <a:t>        </a:t>
+            </a:r>
+            <a:r>
+              <a:rPr lang="en-IN" sz="1050" b="0" dirty="0">
+                <a:solidFill>
+                  <a:srgbClr val="800000"/>
+                </a:solidFill>
+                <a:effectLst/>
+                <a:latin typeface="Consolas" panose="020B0609020204030204" pitchFamily="49" charset="0"/>
+              </a:rPr>
+              <a:t>&lt;&gt;</a:t>
+            </a:r>
+            <a:endParaRPr lang="en-IN" sz="1050" b="0" dirty="0">
+              <a:solidFill>
+                <a:srgbClr val="000000"/>
+              </a:solidFill>
+              <a:effectLst/>
+              <a:latin typeface="Consolas" panose="020B0609020204030204" pitchFamily="49" charset="0"/>
+            </a:endParaRPr>
+          </a:p>
+          <a:p>
+            <a:r>
+              <a:rPr lang="en-IN" sz="1050" b="0" dirty="0">
+                <a:solidFill>
+                  <a:srgbClr val="000000"/>
+                </a:solidFill>
+                <a:effectLst/>
+                <a:latin typeface="Consolas" panose="020B0609020204030204" pitchFamily="49" charset="0"/>
+              </a:rPr>
+              <a:t>        </a:t>
+            </a:r>
+            <a:r>
+              <a:rPr lang="en-IN" sz="1050" b="0" dirty="0">
+                <a:solidFill>
+                  <a:srgbClr val="800000"/>
+                </a:solidFill>
+                <a:effectLst/>
+                <a:latin typeface="Consolas" panose="020B0609020204030204" pitchFamily="49" charset="0"/>
+              </a:rPr>
+              <a:t>&lt;h1&gt;</a:t>
+            </a:r>
+            <a:r>
+              <a:rPr lang="en-IN" sz="1050" b="0" dirty="0">
+                <a:solidFill>
+                  <a:srgbClr val="0000FF"/>
+                </a:solidFill>
+                <a:effectLst/>
+                <a:latin typeface="Consolas" panose="020B0609020204030204" pitchFamily="49" charset="0"/>
+              </a:rPr>
+              <a:t>{this</a:t>
+            </a:r>
+            <a:r>
+              <a:rPr lang="en-IN" sz="1050" b="0" dirty="0">
+                <a:solidFill>
+                  <a:srgbClr val="000000"/>
+                </a:solidFill>
+                <a:effectLst/>
+                <a:latin typeface="Consolas" panose="020B0609020204030204" pitchFamily="49" charset="0"/>
+              </a:rPr>
+              <a:t>.props.name</a:t>
+            </a:r>
+            <a:r>
+              <a:rPr lang="en-IN" sz="1050" b="0" dirty="0">
+                <a:solidFill>
+                  <a:srgbClr val="0000FF"/>
+                </a:solidFill>
+                <a:effectLst/>
+                <a:latin typeface="Consolas" panose="020B0609020204030204" pitchFamily="49" charset="0"/>
+              </a:rPr>
+              <a:t>}</a:t>
+            </a:r>
+            <a:r>
+              <a:rPr lang="en-IN" sz="1050" b="0" dirty="0">
+                <a:solidFill>
+                  <a:srgbClr val="800000"/>
+                </a:solidFill>
+                <a:effectLst/>
+                <a:latin typeface="Consolas" panose="020B0609020204030204" pitchFamily="49" charset="0"/>
+              </a:rPr>
+              <a:t>&lt;/h1&gt;</a:t>
+            </a:r>
+            <a:r>
+              <a:rPr lang="en-IN" sz="1050" b="0" dirty="0">
+                <a:solidFill>
+                  <a:srgbClr val="000000"/>
+                </a:solidFill>
+                <a:effectLst/>
+                <a:latin typeface="Consolas" panose="020B0609020204030204" pitchFamily="49" charset="0"/>
+              </a:rPr>
+              <a:t> </a:t>
+            </a:r>
+          </a:p>
+          <a:p>
+            <a:r>
+              <a:rPr lang="en-IN" sz="1050" b="0" dirty="0">
+                <a:solidFill>
+                  <a:srgbClr val="000000"/>
+                </a:solidFill>
+                <a:effectLst/>
+                <a:latin typeface="Consolas" panose="020B0609020204030204" pitchFamily="49" charset="0"/>
+              </a:rPr>
+              <a:t>        </a:t>
+            </a:r>
+            <a:r>
+              <a:rPr lang="en-IN" sz="1050" b="0" dirty="0">
+                <a:solidFill>
+                  <a:srgbClr val="800000"/>
+                </a:solidFill>
+                <a:effectLst/>
+                <a:latin typeface="Consolas" panose="020B0609020204030204" pitchFamily="49" charset="0"/>
+              </a:rPr>
+              <a:t>&lt;h1&gt;</a:t>
+            </a:r>
+            <a:r>
+              <a:rPr lang="en-IN" sz="1050" b="0" dirty="0">
+                <a:solidFill>
+                  <a:srgbClr val="0000FF"/>
+                </a:solidFill>
+                <a:effectLst/>
+                <a:latin typeface="Consolas" panose="020B0609020204030204" pitchFamily="49" charset="0"/>
+              </a:rPr>
+              <a:t>{</a:t>
+            </a:r>
+            <a:r>
+              <a:rPr lang="en-IN" sz="1050" b="0" dirty="0" err="1">
+                <a:solidFill>
+                  <a:srgbClr val="0000FF"/>
+                </a:solidFill>
+                <a:effectLst/>
+                <a:latin typeface="Consolas" panose="020B0609020204030204" pitchFamily="49" charset="0"/>
+              </a:rPr>
+              <a:t>this</a:t>
+            </a:r>
+            <a:r>
+              <a:rPr lang="en-IN" sz="1050" b="0" dirty="0" err="1">
+                <a:solidFill>
+                  <a:srgbClr val="000000"/>
+                </a:solidFill>
+                <a:effectLst/>
+                <a:latin typeface="Consolas" panose="020B0609020204030204" pitchFamily="49" charset="0"/>
+              </a:rPr>
+              <a:t>.props.age</a:t>
+            </a:r>
+            <a:r>
+              <a:rPr lang="en-IN" sz="1050" b="0" dirty="0">
+                <a:solidFill>
+                  <a:srgbClr val="0000FF"/>
+                </a:solidFill>
+                <a:effectLst/>
+                <a:latin typeface="Consolas" panose="020B0609020204030204" pitchFamily="49" charset="0"/>
+              </a:rPr>
+              <a:t>}</a:t>
+            </a:r>
+            <a:r>
+              <a:rPr lang="en-IN" sz="1050" b="0" dirty="0">
+                <a:solidFill>
+                  <a:srgbClr val="800000"/>
+                </a:solidFill>
+                <a:effectLst/>
+                <a:latin typeface="Consolas" panose="020B0609020204030204" pitchFamily="49" charset="0"/>
+              </a:rPr>
+              <a:t>&lt;/h1&gt;</a:t>
+            </a:r>
+            <a:r>
+              <a:rPr lang="en-IN" sz="1050" b="0" dirty="0">
+                <a:solidFill>
+                  <a:srgbClr val="000000"/>
+                </a:solidFill>
+                <a:effectLst/>
+                <a:latin typeface="Consolas" panose="020B0609020204030204" pitchFamily="49" charset="0"/>
+              </a:rPr>
+              <a:t> </a:t>
+            </a:r>
+          </a:p>
+          <a:p>
+            <a:r>
+              <a:rPr lang="en-IN" sz="1050" b="0" dirty="0">
+                <a:solidFill>
+                  <a:srgbClr val="000000"/>
+                </a:solidFill>
+                <a:effectLst/>
+                <a:latin typeface="Consolas" panose="020B0609020204030204" pitchFamily="49" charset="0"/>
+              </a:rPr>
+              <a:t>         </a:t>
+            </a:r>
+            <a:r>
+              <a:rPr lang="en-IN" sz="1050" b="0" dirty="0">
+                <a:solidFill>
+                  <a:srgbClr val="800000"/>
+                </a:solidFill>
+                <a:effectLst/>
+                <a:latin typeface="Consolas" panose="020B0609020204030204" pitchFamily="49" charset="0"/>
+              </a:rPr>
+              <a:t>&lt;/&gt;</a:t>
+            </a:r>
+            <a:r>
+              <a:rPr lang="en-IN" sz="1050" b="0" dirty="0">
+                <a:solidFill>
+                  <a:srgbClr val="000000"/>
+                </a:solidFill>
+                <a:effectLst/>
+                <a:latin typeface="Consolas" panose="020B0609020204030204" pitchFamily="49" charset="0"/>
+              </a:rPr>
+              <a:t>);</a:t>
+            </a:r>
+          </a:p>
+          <a:p>
+            <a:r>
+              <a:rPr lang="en-IN" sz="1050" b="0" dirty="0">
+                <a:solidFill>
+                  <a:srgbClr val="000000"/>
+                </a:solidFill>
+                <a:effectLst/>
+                <a:latin typeface="Consolas" panose="020B0609020204030204" pitchFamily="49" charset="0"/>
+              </a:rPr>
+              <a:t>    }</a:t>
+            </a:r>
+          </a:p>
+          <a:p>
+            <a:r>
+              <a:rPr lang="en-IN" sz="1050" b="0" dirty="0">
+                <a:solidFill>
+                  <a:srgbClr val="000000"/>
+                </a:solidFill>
+                <a:effectLst/>
+                <a:latin typeface="Consolas" panose="020B0609020204030204" pitchFamily="49" charset="0"/>
+              </a:rPr>
+              <a:t>}</a:t>
+            </a:r>
+          </a:p>
+          <a:p>
+            <a:r>
+              <a:rPr lang="en-IN" sz="1050" b="0" dirty="0">
+                <a:solidFill>
+                  <a:srgbClr val="0000FF"/>
+                </a:solidFill>
+                <a:effectLst/>
+                <a:latin typeface="Consolas" panose="020B0609020204030204" pitchFamily="49" charset="0"/>
+              </a:rPr>
+              <a:t>export</a:t>
+            </a:r>
+            <a:r>
+              <a:rPr lang="en-IN" sz="1050" b="0" dirty="0">
+                <a:solidFill>
+                  <a:srgbClr val="000000"/>
+                </a:solidFill>
+                <a:effectLst/>
+                <a:latin typeface="Consolas" panose="020B0609020204030204" pitchFamily="49" charset="0"/>
+              </a:rPr>
+              <a:t> </a:t>
+            </a:r>
+            <a:r>
+              <a:rPr lang="en-IN" sz="1050" b="0" dirty="0">
+                <a:solidFill>
+                  <a:srgbClr val="0000FF"/>
+                </a:solidFill>
+                <a:effectLst/>
+                <a:latin typeface="Consolas" panose="020B0609020204030204" pitchFamily="49" charset="0"/>
+              </a:rPr>
+              <a:t>default</a:t>
+            </a:r>
+            <a:r>
+              <a:rPr lang="en-IN" sz="1050" b="0" dirty="0">
+                <a:solidFill>
+                  <a:srgbClr val="000000"/>
+                </a:solidFill>
+                <a:effectLst/>
+                <a:latin typeface="Consolas" panose="020B0609020204030204" pitchFamily="49" charset="0"/>
+              </a:rPr>
+              <a:t> Employee;</a:t>
+            </a:r>
+          </a:p>
+          <a:p>
+            <a:br>
+              <a:rPr lang="en-IN" sz="1050" b="0" dirty="0">
+                <a:solidFill>
+                  <a:srgbClr val="000000"/>
+                </a:solidFill>
+                <a:effectLst/>
+                <a:latin typeface="Consolas" panose="020B0609020204030204" pitchFamily="49" charset="0"/>
+              </a:rPr>
+            </a:br>
+            <a:endParaRPr lang="en-IN" sz="1050" b="0" dirty="0">
+              <a:solidFill>
+                <a:srgbClr val="000000"/>
+              </a:solidFill>
+              <a:effectLst/>
+              <a:latin typeface="Consolas" panose="020B0609020204030204" pitchFamily="49" charset="0"/>
+            </a:endParaRPr>
+          </a:p>
+        </p:txBody>
+      </p:sp>
+    </p:spTree>
+    <p:extLst>
+      <p:ext uri="{BB962C8B-B14F-4D97-AF65-F5344CB8AC3E}">
+        <p14:creationId xmlns:p14="http://schemas.microsoft.com/office/powerpoint/2010/main" val="3482113836"/>
+      </p:ext>
+    </p:extLst>
+  </p:cSld>
+  <p:clrMapOvr>
+    <a:masterClrMapping/>
+  </p:clrMapOvr>
+</p:sld>
+</file>
+
 <file path=ppt/theme/theme1.xml><?xml version="1.0" encoding="utf-8"?>
 <a:theme xmlns:a="http://schemas.openxmlformats.org/drawingml/2006/main" name="1_RetrospectVTI">
   <a:themeElements>

--- a/doc/React-6.pptx
+++ b/doc/React-6.pptx
@@ -12,6 +12,7 @@
     <p:sldId id="261" r:id="rId6"/>
     <p:sldId id="262" r:id="rId7"/>
     <p:sldId id="263" r:id="rId8"/>
+    <p:sldId id="264" r:id="rId9"/>
   </p:sldIdLst>
   <p:sldSz cx="12192000" cy="6858000"/>
   <p:notesSz cx="6858000" cy="9144000"/>
@@ -374,7 +375,7 @@
           <a:p>
             <a:fld id="{9184DA70-C731-4C70-880D-CCD4705E623C}" type="datetime1">
               <a:rPr lang="en-US" smtClean="0"/>
-              <a:t>9/30/2021</a:t>
+              <a:t>10/5/2021</a:t>
             </a:fld>
             <a:endParaRPr lang="en-US" dirty="0"/>
           </a:p>
@@ -562,7 +563,7 @@
           <a:p>
             <a:fld id="{B612A279-0833-481D-8C56-F67FD0AC6C50}" type="datetime1">
               <a:rPr lang="en-US" smtClean="0"/>
-              <a:t>9/30/2021</a:t>
+              <a:t>10/5/2021</a:t>
             </a:fld>
             <a:endParaRPr lang="en-US" dirty="0"/>
           </a:p>
@@ -804,7 +805,7 @@
           <a:p>
             <a:fld id="{6587DA83-5663-4C9C-B9AA-0B40A3DAFF81}" type="datetime1">
               <a:rPr lang="en-US" smtClean="0"/>
-              <a:t>9/30/2021</a:t>
+              <a:t>10/5/2021</a:t>
             </a:fld>
             <a:endParaRPr lang="en-US" dirty="0"/>
           </a:p>
@@ -992,7 +993,7 @@
           <a:p>
             <a:fld id="{4BE1D723-8F53-4F53-90B0-1982A396982E}" type="datetime1">
               <a:rPr lang="en-US" smtClean="0"/>
-              <a:t>9/30/2021</a:t>
+              <a:t>10/5/2021</a:t>
             </a:fld>
             <a:endParaRPr lang="en-US" dirty="0"/>
           </a:p>
@@ -1365,7 +1366,7 @@
           <a:p>
             <a:fld id="{97669AF7-7BEB-44E4-9852-375E34362B5B}" type="datetime1">
               <a:rPr lang="en-US" smtClean="0"/>
-              <a:t>9/30/2021</a:t>
+              <a:t>10/5/2021</a:t>
             </a:fld>
             <a:endParaRPr lang="en-US" dirty="0"/>
           </a:p>
@@ -1620,7 +1621,7 @@
           <a:p>
             <a:fld id="{BAAAC38D-0552-4C82-B593-E6124DFADBE2}" type="datetime1">
               <a:rPr lang="en-US" smtClean="0"/>
-              <a:t>9/30/2021</a:t>
+              <a:t>10/5/2021</a:t>
             </a:fld>
             <a:endParaRPr lang="en-US" dirty="0"/>
           </a:p>
@@ -2017,7 +2018,7 @@
           <a:p>
             <a:fld id="{D9DF0F1C-5577-4ACB-BB62-DF8F3C494C7E}" type="datetime1">
               <a:rPr lang="en-US" smtClean="0"/>
-              <a:t>9/30/2021</a:t>
+              <a:t>10/5/2021</a:t>
             </a:fld>
             <a:endParaRPr lang="en-US" dirty="0"/>
           </a:p>
@@ -2153,7 +2154,7 @@
           <a:p>
             <a:fld id="{1775B394-D9F9-4F0C-B15D-605F45CB9E9F}" type="datetime1">
               <a:rPr lang="en-US" smtClean="0"/>
-              <a:t>9/30/2021</a:t>
+              <a:t>10/5/2021</a:t>
             </a:fld>
             <a:endParaRPr lang="en-US" dirty="0"/>
           </a:p>
@@ -2310,7 +2311,7 @@
           <a:p>
             <a:fld id="{39667345-2558-425A-8533-9BFDBCE15005}" type="datetime1">
               <a:rPr lang="en-US" smtClean="0"/>
-              <a:t>9/30/2021</a:t>
+              <a:t>10/5/2021</a:t>
             </a:fld>
             <a:endParaRPr lang="en-US" dirty="0"/>
           </a:p>
@@ -2639,7 +2640,7 @@
           <a:p>
             <a:fld id="{92BEA474-078D-4E9B-9B14-09A87B19DC46}" type="datetime1">
               <a:rPr lang="en-US" smtClean="0"/>
-              <a:t>9/30/2021</a:t>
+              <a:t>10/5/2021</a:t>
             </a:fld>
             <a:endParaRPr lang="en-US" dirty="0"/>
           </a:p>
@@ -2989,7 +2990,7 @@
           <a:p>
             <a:fld id="{4907D986-8816-4272-A432-0437A28A9828}" type="datetime1">
               <a:rPr lang="en-US" smtClean="0"/>
-              <a:t>9/30/2021</a:t>
+              <a:t>10/5/2021</a:t>
             </a:fld>
             <a:endParaRPr lang="en-US" dirty="0"/>
           </a:p>
@@ -3250,7 +3251,7 @@
           <a:p>
             <a:fld id="{62D6E202-B606-4609-B914-27C9371A1F6D}" type="datetime1">
               <a:rPr lang="en-US" smtClean="0"/>
-              <a:t>9/30/2021</a:t>
+              <a:t>10/5/2021</a:t>
             </a:fld>
             <a:endParaRPr lang="en-US" dirty="0"/>
           </a:p>
@@ -4721,7 +4722,7 @@
                 <a:latin typeface="Verdana" panose="020B0604030504040204" pitchFamily="34" charset="0"/>
                 <a:ea typeface="Verdana" panose="020B0604030504040204" pitchFamily="34" charset="0"/>
               </a:rPr>
-              <a:t>Interface</a:t>
+              <a:t>Class Component  &amp; Interface</a:t>
             </a:r>
           </a:p>
         </p:txBody>
@@ -5852,7 +5853,7 @@
         <p:spPr>
           <a:xfrm>
             <a:off x="168812" y="296205"/>
-            <a:ext cx="10058400" cy="523220"/>
+            <a:ext cx="10058400" cy="954107"/>
           </a:xfrm>
           <a:prstGeom prst="rect">
             <a:avLst/>
@@ -5865,18 +5866,29 @@
           </a:bodyPr>
           <a:lstStyle/>
           <a:p>
+            <a:pPr fontAlgn="base"/>
+            <a:r>
+              <a:rPr lang="en-IN" sz="2800" b="1" i="0" dirty="0">
+                <a:solidFill>
+                  <a:srgbClr val="0A0A23"/>
+                </a:solidFill>
+                <a:effectLst/>
+                <a:latin typeface="Verdana" panose="020B0604030504040204" pitchFamily="34" charset="0"/>
+                <a:ea typeface="Verdana" panose="020B0604030504040204" pitchFamily="34" charset="0"/>
+              </a:rPr>
+              <a:t>Class Component  &amp; Interface</a:t>
+            </a:r>
+          </a:p>
+          <a:p>
             <a:pPr algn="l" fontAlgn="base"/>
-            <a:r>
-              <a:rPr lang="en-IN" sz="2800" b="1" i="0" dirty="0">
-                <a:solidFill>
-                  <a:srgbClr val="0A0A23"/>
-                </a:solidFill>
-                <a:effectLst/>
-                <a:latin typeface="Verdana" panose="020B0604030504040204" pitchFamily="34" charset="0"/>
-                <a:ea typeface="Verdana" panose="020B0604030504040204" pitchFamily="34" charset="0"/>
-              </a:rPr>
-              <a:t>Interface</a:t>
-            </a:r>
+            <a:endParaRPr lang="en-IN" sz="2800" b="1" i="0" dirty="0">
+              <a:solidFill>
+                <a:srgbClr val="0A0A23"/>
+              </a:solidFill>
+              <a:effectLst/>
+              <a:latin typeface="Verdana" panose="020B0604030504040204" pitchFamily="34" charset="0"/>
+              <a:ea typeface="Verdana" panose="020B0604030504040204" pitchFamily="34" charset="0"/>
+            </a:endParaRPr>
           </a:p>
         </p:txBody>
       </p:sp>
@@ -11586,6 +11598,1970 @@
     <p:extLst>
       <p:ext uri="{BB962C8B-B14F-4D97-AF65-F5344CB8AC3E}">
         <p14:creationId xmlns:p14="http://schemas.microsoft.com/office/powerpoint/2010/main" val="3482113836"/>
+      </p:ext>
+    </p:extLst>
+  </p:cSld>
+  <p:clrMapOvr>
+    <a:masterClrMapping/>
+  </p:clrMapOvr>
+</p:sld>
+</file>
+
+<file path=ppt/slides/slide8.xml><?xml version="1.0" encoding="utf-8"?>
+<p:sld xmlns:a="http://schemas.openxmlformats.org/drawingml/2006/main" xmlns:r="http://schemas.openxmlformats.org/officeDocument/2006/relationships" xmlns:p="http://schemas.openxmlformats.org/presentationml/2006/main">
+  <p:cSld>
+    <p:spTree>
+      <p:nvGrpSpPr>
+        <p:cNvPr id="1" name=""/>
+        <p:cNvGrpSpPr/>
+        <p:nvPr/>
+      </p:nvGrpSpPr>
+      <p:grpSpPr>
+        <a:xfrm>
+          <a:off x="0" y="0"/>
+          <a:ext cx="0" cy="0"/>
+          <a:chOff x="0" y="0"/>
+          <a:chExt cx="0" cy="0"/>
+        </a:xfrm>
+      </p:grpSpPr>
+      <p:sp>
+        <p:nvSpPr>
+          <p:cNvPr id="5" name="Title 4">
+            <a:extLst>
+              <a:ext uri="{FF2B5EF4-FFF2-40B4-BE49-F238E27FC236}">
+                <a16:creationId xmlns:a16="http://schemas.microsoft.com/office/drawing/2014/main" id="{A483FC8D-5CFD-4C15-BD75-3A279BB415D1}"/>
+              </a:ext>
+            </a:extLst>
+          </p:cNvPr>
+          <p:cNvSpPr>
+            <a:spLocks noGrp="1"/>
+          </p:cNvSpPr>
+          <p:nvPr>
+            <p:ph type="ctrTitle"/>
+          </p:nvPr>
+        </p:nvSpPr>
+        <p:spPr/>
+        <p:txBody>
+          <a:bodyPr/>
+          <a:lstStyle/>
+          <a:p>
+            <a:endParaRPr lang="en-IN"/>
+          </a:p>
+        </p:txBody>
+      </p:sp>
+      <p:sp>
+        <p:nvSpPr>
+          <p:cNvPr id="8" name="Rectangle 7">
+            <a:extLst>
+              <a:ext uri="{FF2B5EF4-FFF2-40B4-BE49-F238E27FC236}">
+                <a16:creationId xmlns:a16="http://schemas.microsoft.com/office/drawing/2014/main" id="{F6828A24-A604-4414-A7C8-2C2C21EC3AB8}"/>
+              </a:ext>
+            </a:extLst>
+          </p:cNvPr>
+          <p:cNvSpPr/>
+          <p:nvPr/>
+        </p:nvSpPr>
+        <p:spPr>
+          <a:xfrm>
+            <a:off x="0" y="0"/>
+            <a:ext cx="12192000" cy="6679096"/>
+          </a:xfrm>
+          <a:prstGeom prst="rect">
+            <a:avLst/>
+          </a:prstGeom>
+          <a:solidFill>
+            <a:schemeClr val="tx2">
+              <a:lumMod val="20000"/>
+              <a:lumOff val="80000"/>
+            </a:schemeClr>
+          </a:solidFill>
+          <a:ln>
+            <a:noFill/>
+          </a:ln>
+        </p:spPr>
+        <p:style>
+          <a:lnRef idx="2">
+            <a:schemeClr val="accent6"/>
+          </a:lnRef>
+          <a:fillRef idx="1">
+            <a:schemeClr val="lt1"/>
+          </a:fillRef>
+          <a:effectRef idx="0">
+            <a:schemeClr val="accent6"/>
+          </a:effectRef>
+          <a:fontRef idx="minor">
+            <a:schemeClr val="dk1"/>
+          </a:fontRef>
+        </p:style>
+        <p:txBody>
+          <a:bodyPr rtlCol="0" anchor="ctr"/>
+          <a:lstStyle/>
+          <a:p>
+            <a:pPr algn="ctr"/>
+            <a:endParaRPr lang="en-IN"/>
+          </a:p>
+        </p:txBody>
+      </p:sp>
+      <p:sp>
+        <p:nvSpPr>
+          <p:cNvPr id="9" name="TextBox 8">
+            <a:extLst>
+              <a:ext uri="{FF2B5EF4-FFF2-40B4-BE49-F238E27FC236}">
+                <a16:creationId xmlns:a16="http://schemas.microsoft.com/office/drawing/2014/main" id="{3B153EE9-33A6-41D0-AF92-E7242DD2143E}"/>
+              </a:ext>
+            </a:extLst>
+          </p:cNvPr>
+          <p:cNvSpPr txBox="1"/>
+          <p:nvPr/>
+        </p:nvSpPr>
+        <p:spPr>
+          <a:xfrm>
+            <a:off x="168812" y="256449"/>
+            <a:ext cx="10058400" cy="523220"/>
+          </a:xfrm>
+          <a:prstGeom prst="rect">
+            <a:avLst/>
+          </a:prstGeom>
+          <a:noFill/>
+        </p:spPr>
+        <p:txBody>
+          <a:bodyPr wrap="square" rtlCol="0">
+            <a:spAutoFit/>
+          </a:bodyPr>
+          <a:lstStyle/>
+          <a:p>
+            <a:pPr algn="l" fontAlgn="base"/>
+            <a:r>
+              <a:rPr lang="en-IN" sz="2800" b="1" i="0" dirty="0">
+                <a:solidFill>
+                  <a:srgbClr val="0A0A23"/>
+                </a:solidFill>
+                <a:effectLst/>
+                <a:latin typeface="Verdana" panose="020B0604030504040204" pitchFamily="34" charset="0"/>
+                <a:ea typeface="Verdana" panose="020B0604030504040204" pitchFamily="34" charset="0"/>
+              </a:rPr>
+              <a:t>Event - Handler</a:t>
+            </a:r>
+          </a:p>
+        </p:txBody>
+      </p:sp>
+      <p:sp>
+        <p:nvSpPr>
+          <p:cNvPr id="10" name="TextBox 9">
+            <a:extLst>
+              <a:ext uri="{FF2B5EF4-FFF2-40B4-BE49-F238E27FC236}">
+                <a16:creationId xmlns:a16="http://schemas.microsoft.com/office/drawing/2014/main" id="{0464230E-1DD5-4FCE-BBDA-ACE54AD381FE}"/>
+              </a:ext>
+            </a:extLst>
+          </p:cNvPr>
+          <p:cNvSpPr txBox="1"/>
+          <p:nvPr/>
+        </p:nvSpPr>
+        <p:spPr>
+          <a:xfrm>
+            <a:off x="168812" y="924188"/>
+            <a:ext cx="4495953" cy="2192908"/>
+          </a:xfrm>
+          <a:prstGeom prst="rect">
+            <a:avLst/>
+          </a:prstGeom>
+          <a:noFill/>
+        </p:spPr>
+        <p:txBody>
+          <a:bodyPr wrap="square" rtlCol="0">
+            <a:spAutoFit/>
+          </a:bodyPr>
+          <a:lstStyle/>
+          <a:p>
+            <a:r>
+              <a:rPr lang="en-IN" sz="1050" b="0" dirty="0">
+                <a:solidFill>
+                  <a:srgbClr val="0000FF"/>
+                </a:solidFill>
+                <a:effectLst/>
+                <a:latin typeface="Consolas" panose="020B0609020204030204" pitchFamily="49" charset="0"/>
+              </a:rPr>
+              <a:t>import</a:t>
+            </a:r>
+            <a:r>
+              <a:rPr lang="en-IN" sz="1050" b="0" dirty="0">
+                <a:solidFill>
+                  <a:srgbClr val="000000"/>
+                </a:solidFill>
+                <a:effectLst/>
+                <a:latin typeface="Consolas" panose="020B0609020204030204" pitchFamily="49" charset="0"/>
+              </a:rPr>
+              <a:t> React, { Component } </a:t>
+            </a:r>
+            <a:r>
+              <a:rPr lang="en-IN" sz="1050" b="0" dirty="0">
+                <a:solidFill>
+                  <a:srgbClr val="0000FF"/>
+                </a:solidFill>
+                <a:effectLst/>
+                <a:latin typeface="Consolas" panose="020B0609020204030204" pitchFamily="49" charset="0"/>
+              </a:rPr>
+              <a:t>from</a:t>
+            </a:r>
+            <a:r>
+              <a:rPr lang="en-IN" sz="1050" b="0" dirty="0">
+                <a:solidFill>
+                  <a:srgbClr val="000000"/>
+                </a:solidFill>
+                <a:effectLst/>
+                <a:latin typeface="Consolas" panose="020B0609020204030204" pitchFamily="49" charset="0"/>
+              </a:rPr>
+              <a:t> </a:t>
+            </a:r>
+            <a:r>
+              <a:rPr lang="en-IN" sz="1050" b="0" dirty="0">
+                <a:solidFill>
+                  <a:srgbClr val="A31515"/>
+                </a:solidFill>
+                <a:effectLst/>
+                <a:latin typeface="Consolas" panose="020B0609020204030204" pitchFamily="49" charset="0"/>
+              </a:rPr>
+              <a:t>'react'</a:t>
+            </a:r>
+            <a:r>
+              <a:rPr lang="en-IN" sz="1050" b="0" dirty="0">
+                <a:solidFill>
+                  <a:srgbClr val="000000"/>
+                </a:solidFill>
+                <a:effectLst/>
+                <a:latin typeface="Consolas" panose="020B0609020204030204" pitchFamily="49" charset="0"/>
+              </a:rPr>
+              <a:t>;</a:t>
+            </a:r>
+          </a:p>
+          <a:p>
+            <a:r>
+              <a:rPr lang="en-IN" sz="1050" b="0" dirty="0">
+                <a:solidFill>
+                  <a:srgbClr val="0000FF"/>
+                </a:solidFill>
+                <a:effectLst/>
+                <a:latin typeface="Consolas" panose="020B0609020204030204" pitchFamily="49" charset="0"/>
+              </a:rPr>
+              <a:t>import</a:t>
+            </a:r>
+            <a:r>
+              <a:rPr lang="en-IN" sz="1050" b="0" dirty="0">
+                <a:solidFill>
+                  <a:srgbClr val="000000"/>
+                </a:solidFill>
+                <a:effectLst/>
+                <a:latin typeface="Consolas" panose="020B0609020204030204" pitchFamily="49" charset="0"/>
+              </a:rPr>
+              <a:t> </a:t>
+            </a:r>
+            <a:r>
+              <a:rPr lang="en-IN" sz="1050" b="0" dirty="0">
+                <a:solidFill>
+                  <a:srgbClr val="A31515"/>
+                </a:solidFill>
+                <a:effectLst/>
+                <a:latin typeface="Consolas" panose="020B0609020204030204" pitchFamily="49" charset="0"/>
+              </a:rPr>
+              <a:t>'./App.css'</a:t>
+            </a:r>
+            <a:r>
+              <a:rPr lang="en-IN" sz="1050" b="0" dirty="0">
+                <a:solidFill>
+                  <a:srgbClr val="000000"/>
+                </a:solidFill>
+                <a:effectLst/>
+                <a:latin typeface="Consolas" panose="020B0609020204030204" pitchFamily="49" charset="0"/>
+              </a:rPr>
+              <a:t>;</a:t>
+            </a:r>
+          </a:p>
+          <a:p>
+            <a:r>
+              <a:rPr lang="en-IN" sz="1050" b="0" dirty="0">
+                <a:solidFill>
+                  <a:srgbClr val="0000FF"/>
+                </a:solidFill>
+                <a:effectLst/>
+                <a:latin typeface="Consolas" panose="020B0609020204030204" pitchFamily="49" charset="0"/>
+              </a:rPr>
+              <a:t>import</a:t>
+            </a:r>
+            <a:r>
+              <a:rPr lang="en-IN" sz="1050" b="0" dirty="0">
+                <a:solidFill>
+                  <a:srgbClr val="000000"/>
+                </a:solidFill>
+                <a:effectLst/>
+                <a:latin typeface="Consolas" panose="020B0609020204030204" pitchFamily="49" charset="0"/>
+              </a:rPr>
+              <a:t> Events </a:t>
+            </a:r>
+            <a:r>
+              <a:rPr lang="en-IN" sz="1050" b="0" dirty="0">
+                <a:solidFill>
+                  <a:srgbClr val="0000FF"/>
+                </a:solidFill>
+                <a:effectLst/>
+                <a:latin typeface="Consolas" panose="020B0609020204030204" pitchFamily="49" charset="0"/>
+              </a:rPr>
+              <a:t>from</a:t>
+            </a:r>
+            <a:r>
+              <a:rPr lang="en-IN" sz="1050" b="0" dirty="0">
+                <a:solidFill>
+                  <a:srgbClr val="000000"/>
+                </a:solidFill>
+                <a:effectLst/>
+                <a:latin typeface="Consolas" panose="020B0609020204030204" pitchFamily="49" charset="0"/>
+              </a:rPr>
+              <a:t> </a:t>
+            </a:r>
+            <a:r>
+              <a:rPr lang="en-IN" sz="1050" b="0" dirty="0">
+                <a:solidFill>
+                  <a:srgbClr val="A31515"/>
+                </a:solidFill>
+                <a:effectLst/>
+                <a:latin typeface="Consolas" panose="020B0609020204030204" pitchFamily="49" charset="0"/>
+              </a:rPr>
+              <a:t>'./Events'</a:t>
+            </a:r>
+            <a:endParaRPr lang="en-IN" sz="1050" b="0" dirty="0">
+              <a:solidFill>
+                <a:srgbClr val="000000"/>
+              </a:solidFill>
+              <a:effectLst/>
+              <a:latin typeface="Consolas" panose="020B0609020204030204" pitchFamily="49" charset="0"/>
+            </a:endParaRPr>
+          </a:p>
+          <a:p>
+            <a:r>
+              <a:rPr lang="en-IN" sz="1050" b="0" dirty="0">
+                <a:solidFill>
+                  <a:srgbClr val="0000FF"/>
+                </a:solidFill>
+                <a:effectLst/>
+                <a:latin typeface="Consolas" panose="020B0609020204030204" pitchFamily="49" charset="0"/>
+              </a:rPr>
+              <a:t>class</a:t>
+            </a:r>
+            <a:r>
+              <a:rPr lang="en-IN" sz="1050" b="0" dirty="0">
+                <a:solidFill>
+                  <a:srgbClr val="000000"/>
+                </a:solidFill>
+                <a:effectLst/>
+                <a:latin typeface="Consolas" panose="020B0609020204030204" pitchFamily="49" charset="0"/>
+              </a:rPr>
+              <a:t> App </a:t>
+            </a:r>
+            <a:r>
+              <a:rPr lang="en-IN" sz="1050" b="0" dirty="0">
+                <a:solidFill>
+                  <a:srgbClr val="0000FF"/>
+                </a:solidFill>
+                <a:effectLst/>
+                <a:latin typeface="Consolas" panose="020B0609020204030204" pitchFamily="49" charset="0"/>
+              </a:rPr>
+              <a:t>extends</a:t>
+            </a:r>
+            <a:r>
+              <a:rPr lang="en-IN" sz="1050" b="0" dirty="0">
+                <a:solidFill>
+                  <a:srgbClr val="000000"/>
+                </a:solidFill>
+                <a:effectLst/>
+                <a:latin typeface="Consolas" panose="020B0609020204030204" pitchFamily="49" charset="0"/>
+              </a:rPr>
+              <a:t> Component {</a:t>
+            </a:r>
+          </a:p>
+          <a:p>
+            <a:r>
+              <a:rPr lang="en-IN" sz="1050" b="0" dirty="0">
+                <a:solidFill>
+                  <a:srgbClr val="000000"/>
+                </a:solidFill>
+                <a:effectLst/>
+                <a:latin typeface="Consolas" panose="020B0609020204030204" pitchFamily="49" charset="0"/>
+              </a:rPr>
+              <a:t>  render(){</a:t>
+            </a:r>
+          </a:p>
+          <a:p>
+            <a:r>
+              <a:rPr lang="en-IN" sz="1050" b="0" dirty="0">
+                <a:solidFill>
+                  <a:srgbClr val="000000"/>
+                </a:solidFill>
+                <a:effectLst/>
+                <a:latin typeface="Consolas" panose="020B0609020204030204" pitchFamily="49" charset="0"/>
+              </a:rPr>
+              <a:t>    </a:t>
+            </a:r>
+            <a:r>
+              <a:rPr lang="en-IN" sz="1050" b="0" dirty="0">
+                <a:solidFill>
+                  <a:srgbClr val="0000FF"/>
+                </a:solidFill>
+                <a:effectLst/>
+                <a:latin typeface="Consolas" panose="020B0609020204030204" pitchFamily="49" charset="0"/>
+              </a:rPr>
+              <a:t>return</a:t>
+            </a:r>
+            <a:r>
+              <a:rPr lang="en-IN" sz="1050" b="0" dirty="0">
+                <a:solidFill>
+                  <a:srgbClr val="000000"/>
+                </a:solidFill>
+                <a:effectLst/>
+                <a:latin typeface="Consolas" panose="020B0609020204030204" pitchFamily="49" charset="0"/>
+              </a:rPr>
+              <a:t>(</a:t>
+            </a:r>
+            <a:r>
+              <a:rPr lang="en-IN" sz="1050" b="0" dirty="0">
+                <a:solidFill>
+                  <a:srgbClr val="800000"/>
+                </a:solidFill>
+                <a:effectLst/>
+                <a:latin typeface="Consolas" panose="020B0609020204030204" pitchFamily="49" charset="0"/>
+              </a:rPr>
+              <a:t>&lt;&gt;</a:t>
+            </a:r>
+            <a:endParaRPr lang="en-IN" sz="1050" b="0" dirty="0">
+              <a:solidFill>
+                <a:srgbClr val="000000"/>
+              </a:solidFill>
+              <a:effectLst/>
+              <a:latin typeface="Consolas" panose="020B0609020204030204" pitchFamily="49" charset="0"/>
+            </a:endParaRPr>
+          </a:p>
+          <a:p>
+            <a:r>
+              <a:rPr lang="en-IN" sz="1050" b="0" dirty="0">
+                <a:solidFill>
+                  <a:srgbClr val="000000"/>
+                </a:solidFill>
+                <a:effectLst/>
+                <a:latin typeface="Consolas" panose="020B0609020204030204" pitchFamily="49" charset="0"/>
+              </a:rPr>
+              <a:t>      </a:t>
+            </a:r>
+            <a:r>
+              <a:rPr lang="en-IN" sz="1050" b="0" dirty="0">
+                <a:solidFill>
+                  <a:srgbClr val="800000"/>
+                </a:solidFill>
+                <a:effectLst/>
+                <a:latin typeface="Consolas" panose="020B0609020204030204" pitchFamily="49" charset="0"/>
+              </a:rPr>
+              <a:t>&lt;Events</a:t>
+            </a:r>
+            <a:r>
+              <a:rPr lang="en-IN" sz="1050" b="0" dirty="0">
+                <a:solidFill>
+                  <a:srgbClr val="000000"/>
+                </a:solidFill>
+                <a:effectLst/>
+                <a:latin typeface="Consolas" panose="020B0609020204030204" pitchFamily="49" charset="0"/>
+              </a:rPr>
+              <a:t> </a:t>
+            </a:r>
+            <a:r>
+              <a:rPr lang="en-IN" sz="1050" b="0" dirty="0">
+                <a:solidFill>
+                  <a:srgbClr val="800000"/>
+                </a:solidFill>
+                <a:effectLst/>
+                <a:latin typeface="Consolas" panose="020B0609020204030204" pitchFamily="49" charset="0"/>
+              </a:rPr>
+              <a:t>/&gt;</a:t>
+            </a:r>
+            <a:endParaRPr lang="en-IN" sz="1050" b="0" dirty="0">
+              <a:solidFill>
+                <a:srgbClr val="000000"/>
+              </a:solidFill>
+              <a:effectLst/>
+              <a:latin typeface="Consolas" panose="020B0609020204030204" pitchFamily="49" charset="0"/>
+            </a:endParaRPr>
+          </a:p>
+          <a:p>
+            <a:r>
+              <a:rPr lang="en-IN" sz="1050" b="0" dirty="0">
+                <a:solidFill>
+                  <a:srgbClr val="000000"/>
+                </a:solidFill>
+                <a:effectLst/>
+                <a:latin typeface="Consolas" panose="020B0609020204030204" pitchFamily="49" charset="0"/>
+              </a:rPr>
+              <a:t>    </a:t>
+            </a:r>
+            <a:r>
+              <a:rPr lang="en-IN" sz="1050" b="0" dirty="0">
+                <a:solidFill>
+                  <a:srgbClr val="800000"/>
+                </a:solidFill>
+                <a:effectLst/>
+                <a:latin typeface="Consolas" panose="020B0609020204030204" pitchFamily="49" charset="0"/>
+              </a:rPr>
+              <a:t>&lt;/&gt;</a:t>
+            </a:r>
+            <a:r>
+              <a:rPr lang="en-IN" sz="1050" b="0" dirty="0">
+                <a:solidFill>
+                  <a:srgbClr val="000000"/>
+                </a:solidFill>
+                <a:effectLst/>
+                <a:latin typeface="Consolas" panose="020B0609020204030204" pitchFamily="49" charset="0"/>
+              </a:rPr>
+              <a:t>)</a:t>
+            </a:r>
+          </a:p>
+          <a:p>
+            <a:r>
+              <a:rPr lang="en-IN" sz="1050" b="0" dirty="0">
+                <a:solidFill>
+                  <a:srgbClr val="000000"/>
+                </a:solidFill>
+                <a:effectLst/>
+                <a:latin typeface="Consolas" panose="020B0609020204030204" pitchFamily="49" charset="0"/>
+              </a:rPr>
+              <a:t>  }</a:t>
+            </a:r>
+          </a:p>
+          <a:p>
+            <a:r>
+              <a:rPr lang="en-IN" sz="1050" b="0" dirty="0">
+                <a:solidFill>
+                  <a:srgbClr val="000000"/>
+                </a:solidFill>
+                <a:effectLst/>
+                <a:latin typeface="Consolas" panose="020B0609020204030204" pitchFamily="49" charset="0"/>
+              </a:rPr>
+              <a:t>}</a:t>
+            </a:r>
+          </a:p>
+          <a:p>
+            <a:br>
+              <a:rPr lang="en-IN" sz="1050" b="0" dirty="0">
+                <a:solidFill>
+                  <a:srgbClr val="000000"/>
+                </a:solidFill>
+                <a:effectLst/>
+                <a:latin typeface="Consolas" panose="020B0609020204030204" pitchFamily="49" charset="0"/>
+              </a:rPr>
+            </a:br>
+            <a:r>
+              <a:rPr lang="en-IN" sz="1050" b="0" dirty="0">
+                <a:solidFill>
+                  <a:srgbClr val="0000FF"/>
+                </a:solidFill>
+                <a:effectLst/>
+                <a:latin typeface="Consolas" panose="020B0609020204030204" pitchFamily="49" charset="0"/>
+              </a:rPr>
+              <a:t>export</a:t>
+            </a:r>
+            <a:r>
+              <a:rPr lang="en-IN" sz="1050" b="0" dirty="0">
+                <a:solidFill>
+                  <a:srgbClr val="000000"/>
+                </a:solidFill>
+                <a:effectLst/>
+                <a:latin typeface="Consolas" panose="020B0609020204030204" pitchFamily="49" charset="0"/>
+              </a:rPr>
+              <a:t> </a:t>
+            </a:r>
+            <a:r>
+              <a:rPr lang="en-IN" sz="1050" b="0" dirty="0">
+                <a:solidFill>
+                  <a:srgbClr val="0000FF"/>
+                </a:solidFill>
+                <a:effectLst/>
+                <a:latin typeface="Consolas" panose="020B0609020204030204" pitchFamily="49" charset="0"/>
+              </a:rPr>
+              <a:t>default</a:t>
+            </a:r>
+            <a:r>
+              <a:rPr lang="en-IN" sz="1050" b="0" dirty="0">
+                <a:solidFill>
+                  <a:srgbClr val="000000"/>
+                </a:solidFill>
+                <a:effectLst/>
+                <a:latin typeface="Consolas" panose="020B0609020204030204" pitchFamily="49" charset="0"/>
+              </a:rPr>
+              <a:t> App;</a:t>
+            </a:r>
+            <a:br>
+              <a:rPr lang="en-IN" sz="1050" b="0" dirty="0">
+                <a:solidFill>
+                  <a:srgbClr val="000000"/>
+                </a:solidFill>
+                <a:effectLst/>
+                <a:latin typeface="Consolas" panose="020B0609020204030204" pitchFamily="49" charset="0"/>
+              </a:rPr>
+            </a:br>
+            <a:endParaRPr lang="en-IN" sz="1050" b="0" dirty="0">
+              <a:solidFill>
+                <a:srgbClr val="000000"/>
+              </a:solidFill>
+              <a:effectLst/>
+              <a:latin typeface="Consolas" panose="020B0609020204030204" pitchFamily="49" charset="0"/>
+            </a:endParaRPr>
+          </a:p>
+        </p:txBody>
+      </p:sp>
+      <p:sp>
+        <p:nvSpPr>
+          <p:cNvPr id="6" name="TextBox 5">
+            <a:extLst>
+              <a:ext uri="{FF2B5EF4-FFF2-40B4-BE49-F238E27FC236}">
+                <a16:creationId xmlns:a16="http://schemas.microsoft.com/office/drawing/2014/main" id="{FA5899AD-5E06-4293-84BF-C6687545E12D}"/>
+              </a:ext>
+            </a:extLst>
+          </p:cNvPr>
+          <p:cNvSpPr txBox="1"/>
+          <p:nvPr/>
+        </p:nvSpPr>
+        <p:spPr>
+          <a:xfrm>
+            <a:off x="3578087" y="635927"/>
+            <a:ext cx="8348869" cy="5586145"/>
+          </a:xfrm>
+          <a:prstGeom prst="rect">
+            <a:avLst/>
+          </a:prstGeom>
+          <a:noFill/>
+        </p:spPr>
+        <p:txBody>
+          <a:bodyPr wrap="square" rtlCol="0">
+            <a:spAutoFit/>
+          </a:bodyPr>
+          <a:lstStyle/>
+          <a:p>
+            <a:r>
+              <a:rPr lang="en-IN" sz="1050" b="0" dirty="0">
+                <a:solidFill>
+                  <a:srgbClr val="0000FF"/>
+                </a:solidFill>
+                <a:effectLst/>
+                <a:latin typeface="Consolas" panose="020B0609020204030204" pitchFamily="49" charset="0"/>
+              </a:rPr>
+              <a:t>import</a:t>
+            </a:r>
+            <a:r>
+              <a:rPr lang="en-IN" sz="1050" b="0" dirty="0">
+                <a:solidFill>
+                  <a:srgbClr val="000000"/>
+                </a:solidFill>
+                <a:effectLst/>
+                <a:latin typeface="Consolas" panose="020B0609020204030204" pitchFamily="49" charset="0"/>
+              </a:rPr>
+              <a:t> React, { Component, </a:t>
+            </a:r>
+            <a:r>
+              <a:rPr lang="en-IN" sz="1050" b="0" dirty="0" err="1">
+                <a:solidFill>
+                  <a:srgbClr val="000000"/>
+                </a:solidFill>
+                <a:effectLst/>
+                <a:latin typeface="Consolas" panose="020B0609020204030204" pitchFamily="49" charset="0"/>
+              </a:rPr>
+              <a:t>FormEvent</a:t>
+            </a:r>
+            <a:r>
+              <a:rPr lang="en-IN" sz="1050" b="0" dirty="0">
+                <a:solidFill>
+                  <a:srgbClr val="000000"/>
+                </a:solidFill>
+                <a:effectLst/>
+                <a:latin typeface="Consolas" panose="020B0609020204030204" pitchFamily="49" charset="0"/>
+              </a:rPr>
+              <a:t> } </a:t>
+            </a:r>
+            <a:r>
+              <a:rPr lang="en-IN" sz="1050" b="0" dirty="0">
+                <a:solidFill>
+                  <a:srgbClr val="0000FF"/>
+                </a:solidFill>
+                <a:effectLst/>
+                <a:latin typeface="Consolas" panose="020B0609020204030204" pitchFamily="49" charset="0"/>
+              </a:rPr>
+              <a:t>from</a:t>
+            </a:r>
+            <a:r>
+              <a:rPr lang="en-IN" sz="1050" b="0" dirty="0">
+                <a:solidFill>
+                  <a:srgbClr val="000000"/>
+                </a:solidFill>
+                <a:effectLst/>
+                <a:latin typeface="Consolas" panose="020B0609020204030204" pitchFamily="49" charset="0"/>
+              </a:rPr>
+              <a:t> </a:t>
+            </a:r>
+            <a:r>
+              <a:rPr lang="en-IN" sz="1050" b="0" dirty="0">
+                <a:solidFill>
+                  <a:srgbClr val="A31515"/>
+                </a:solidFill>
+                <a:effectLst/>
+                <a:latin typeface="Consolas" panose="020B0609020204030204" pitchFamily="49" charset="0"/>
+              </a:rPr>
+              <a:t>"react"</a:t>
+            </a:r>
+            <a:r>
+              <a:rPr lang="en-IN" sz="1050" b="0" dirty="0">
+                <a:solidFill>
+                  <a:srgbClr val="000000"/>
+                </a:solidFill>
+                <a:effectLst/>
+                <a:latin typeface="Consolas" panose="020B0609020204030204" pitchFamily="49" charset="0"/>
+              </a:rPr>
+              <a:t>;</a:t>
+            </a:r>
+          </a:p>
+          <a:p>
+            <a:r>
+              <a:rPr lang="en-IN" sz="1050" b="0" dirty="0">
+                <a:solidFill>
+                  <a:srgbClr val="0000FF"/>
+                </a:solidFill>
+                <a:effectLst/>
+                <a:latin typeface="Consolas" panose="020B0609020204030204" pitchFamily="49" charset="0"/>
+              </a:rPr>
+              <a:t>type</a:t>
+            </a:r>
+            <a:r>
+              <a:rPr lang="en-IN" sz="1050" b="0" dirty="0">
+                <a:solidFill>
+                  <a:srgbClr val="000000"/>
+                </a:solidFill>
+                <a:effectLst/>
+                <a:latin typeface="Consolas" panose="020B0609020204030204" pitchFamily="49" charset="0"/>
+              </a:rPr>
+              <a:t> </a:t>
+            </a:r>
+            <a:r>
+              <a:rPr lang="en-IN" sz="1050" b="0" dirty="0" err="1">
+                <a:solidFill>
+                  <a:srgbClr val="000000"/>
+                </a:solidFill>
+                <a:effectLst/>
+                <a:latin typeface="Consolas" panose="020B0609020204030204" pitchFamily="49" charset="0"/>
+              </a:rPr>
+              <a:t>EventState</a:t>
+            </a:r>
+            <a:r>
+              <a:rPr lang="en-IN" sz="1050" b="0" dirty="0">
+                <a:solidFill>
+                  <a:srgbClr val="000000"/>
+                </a:solidFill>
+                <a:effectLst/>
+                <a:latin typeface="Consolas" panose="020B0609020204030204" pitchFamily="49" charset="0"/>
+              </a:rPr>
+              <a:t> = {</a:t>
+            </a:r>
+          </a:p>
+          <a:p>
+            <a:r>
+              <a:rPr lang="en-IN" sz="1050" b="0" dirty="0">
+                <a:solidFill>
+                  <a:srgbClr val="000000"/>
+                </a:solidFill>
+                <a:effectLst/>
+                <a:latin typeface="Consolas" panose="020B0609020204030204" pitchFamily="49" charset="0"/>
+              </a:rPr>
+              <a:t>    </a:t>
+            </a:r>
+            <a:r>
+              <a:rPr lang="en-IN" sz="1050" b="0" dirty="0" err="1">
+                <a:solidFill>
+                  <a:srgbClr val="000000"/>
+                </a:solidFill>
+                <a:effectLst/>
+                <a:latin typeface="Consolas" panose="020B0609020204030204" pitchFamily="49" charset="0"/>
+              </a:rPr>
+              <a:t>name:string</a:t>
+            </a:r>
+            <a:endParaRPr lang="en-IN" sz="1050" b="0" dirty="0">
+              <a:solidFill>
+                <a:srgbClr val="000000"/>
+              </a:solidFill>
+              <a:effectLst/>
+              <a:latin typeface="Consolas" panose="020B0609020204030204" pitchFamily="49" charset="0"/>
+            </a:endParaRPr>
+          </a:p>
+          <a:p>
+            <a:r>
+              <a:rPr lang="en-IN" sz="1050" b="0" dirty="0">
+                <a:solidFill>
+                  <a:srgbClr val="000000"/>
+                </a:solidFill>
+                <a:effectLst/>
+                <a:latin typeface="Consolas" panose="020B0609020204030204" pitchFamily="49" charset="0"/>
+              </a:rPr>
+              <a:t>}</a:t>
+            </a:r>
+          </a:p>
+          <a:p>
+            <a:br>
+              <a:rPr lang="en-IN" sz="1050" b="0" dirty="0">
+                <a:solidFill>
+                  <a:srgbClr val="000000"/>
+                </a:solidFill>
+                <a:effectLst/>
+                <a:latin typeface="Consolas" panose="020B0609020204030204" pitchFamily="49" charset="0"/>
+              </a:rPr>
+            </a:br>
+            <a:r>
+              <a:rPr lang="en-IN" sz="1050" b="0" dirty="0">
+                <a:solidFill>
+                  <a:srgbClr val="0000FF"/>
+                </a:solidFill>
+                <a:effectLst/>
+                <a:latin typeface="Consolas" panose="020B0609020204030204" pitchFamily="49" charset="0"/>
+              </a:rPr>
+              <a:t>class</a:t>
+            </a:r>
+            <a:r>
+              <a:rPr lang="en-IN" sz="1050" b="0" dirty="0">
+                <a:solidFill>
+                  <a:srgbClr val="000000"/>
+                </a:solidFill>
+                <a:effectLst/>
+                <a:latin typeface="Consolas" panose="020B0609020204030204" pitchFamily="49" charset="0"/>
+              </a:rPr>
+              <a:t> Events </a:t>
+            </a:r>
+            <a:r>
+              <a:rPr lang="en-IN" sz="1050" b="0" dirty="0">
+                <a:solidFill>
+                  <a:srgbClr val="0000FF"/>
+                </a:solidFill>
+                <a:effectLst/>
+                <a:latin typeface="Consolas" panose="020B0609020204030204" pitchFamily="49" charset="0"/>
+              </a:rPr>
+              <a:t>extends</a:t>
+            </a:r>
+            <a:r>
+              <a:rPr lang="en-IN" sz="1050" b="0" dirty="0">
+                <a:solidFill>
+                  <a:srgbClr val="000000"/>
+                </a:solidFill>
+                <a:effectLst/>
+                <a:latin typeface="Consolas" panose="020B0609020204030204" pitchFamily="49" charset="0"/>
+              </a:rPr>
+              <a:t> Component &lt;{},</a:t>
+            </a:r>
+            <a:r>
+              <a:rPr lang="en-IN" sz="1050" b="0" dirty="0" err="1">
+                <a:solidFill>
+                  <a:srgbClr val="000000"/>
+                </a:solidFill>
+                <a:effectLst/>
+                <a:latin typeface="Consolas" panose="020B0609020204030204" pitchFamily="49" charset="0"/>
+              </a:rPr>
+              <a:t>EventState</a:t>
+            </a:r>
+            <a:r>
+              <a:rPr lang="en-IN" sz="1050" b="0" dirty="0">
+                <a:solidFill>
+                  <a:srgbClr val="000000"/>
+                </a:solidFill>
+                <a:effectLst/>
+                <a:latin typeface="Consolas" panose="020B0609020204030204" pitchFamily="49" charset="0"/>
+              </a:rPr>
+              <a:t>&gt;{</a:t>
+            </a:r>
+          </a:p>
+          <a:p>
+            <a:r>
+              <a:rPr lang="en-IN" sz="1050" b="0" dirty="0">
+                <a:solidFill>
+                  <a:srgbClr val="000000"/>
+                </a:solidFill>
+                <a:effectLst/>
+                <a:latin typeface="Consolas" panose="020B0609020204030204" pitchFamily="49" charset="0"/>
+              </a:rPr>
+              <a:t>    </a:t>
+            </a:r>
+          </a:p>
+          <a:p>
+            <a:r>
+              <a:rPr lang="en-IN" sz="1050" b="0" dirty="0">
+                <a:solidFill>
+                  <a:srgbClr val="000000"/>
+                </a:solidFill>
+                <a:effectLst/>
+                <a:latin typeface="Consolas" panose="020B0609020204030204" pitchFamily="49" charset="0"/>
+              </a:rPr>
+              <a:t>    </a:t>
+            </a:r>
+            <a:r>
+              <a:rPr lang="en-IN" sz="1050" b="0" dirty="0" err="1">
+                <a:solidFill>
+                  <a:srgbClr val="000000"/>
+                </a:solidFill>
+                <a:effectLst/>
+                <a:latin typeface="Consolas" panose="020B0609020204030204" pitchFamily="49" charset="0"/>
+              </a:rPr>
+              <a:t>state:Readonly</a:t>
+            </a:r>
+            <a:r>
+              <a:rPr lang="en-IN" sz="1050" b="0" dirty="0">
+                <a:solidFill>
+                  <a:srgbClr val="000000"/>
+                </a:solidFill>
+                <a:effectLst/>
+                <a:latin typeface="Consolas" panose="020B0609020204030204" pitchFamily="49" charset="0"/>
+              </a:rPr>
+              <a:t>&lt;</a:t>
+            </a:r>
+            <a:r>
+              <a:rPr lang="en-IN" sz="1050" b="0" dirty="0" err="1">
+                <a:solidFill>
+                  <a:srgbClr val="000000"/>
+                </a:solidFill>
+                <a:effectLst/>
+                <a:latin typeface="Consolas" panose="020B0609020204030204" pitchFamily="49" charset="0"/>
+              </a:rPr>
+              <a:t>EventState</a:t>
+            </a:r>
+            <a:r>
+              <a:rPr lang="en-IN" sz="1050" b="0" dirty="0">
+                <a:solidFill>
+                  <a:srgbClr val="000000"/>
+                </a:solidFill>
+                <a:effectLst/>
+                <a:latin typeface="Consolas" panose="020B0609020204030204" pitchFamily="49" charset="0"/>
+              </a:rPr>
+              <a:t>&gt; = {</a:t>
+            </a:r>
+          </a:p>
+          <a:p>
+            <a:r>
+              <a:rPr lang="en-IN" sz="1050" b="0" dirty="0">
+                <a:solidFill>
+                  <a:srgbClr val="000000"/>
+                </a:solidFill>
+                <a:effectLst/>
+                <a:latin typeface="Consolas" panose="020B0609020204030204" pitchFamily="49" charset="0"/>
+              </a:rPr>
+              <a:t>        name:</a:t>
+            </a:r>
+            <a:r>
+              <a:rPr lang="en-IN" sz="1050" b="0" dirty="0">
+                <a:solidFill>
+                  <a:srgbClr val="A31515"/>
+                </a:solidFill>
+                <a:effectLst/>
+                <a:latin typeface="Consolas" panose="020B0609020204030204" pitchFamily="49" charset="0"/>
+              </a:rPr>
+              <a:t>""</a:t>
+            </a:r>
+            <a:endParaRPr lang="en-IN" sz="1050" b="0" dirty="0">
+              <a:solidFill>
+                <a:srgbClr val="000000"/>
+              </a:solidFill>
+              <a:effectLst/>
+              <a:latin typeface="Consolas" panose="020B0609020204030204" pitchFamily="49" charset="0"/>
+            </a:endParaRPr>
+          </a:p>
+          <a:p>
+            <a:r>
+              <a:rPr lang="en-IN" sz="1050" b="0" dirty="0">
+                <a:solidFill>
+                  <a:srgbClr val="000000"/>
+                </a:solidFill>
+                <a:effectLst/>
+                <a:latin typeface="Consolas" panose="020B0609020204030204" pitchFamily="49" charset="0"/>
+              </a:rPr>
+              <a:t>    }</a:t>
+            </a:r>
+          </a:p>
+          <a:p>
+            <a:r>
+              <a:rPr lang="en-IN" sz="1050" b="0" dirty="0">
+                <a:solidFill>
+                  <a:srgbClr val="000000"/>
+                </a:solidFill>
+                <a:effectLst/>
+                <a:latin typeface="Consolas" panose="020B0609020204030204" pitchFamily="49" charset="0"/>
+              </a:rPr>
+              <a:t>    </a:t>
+            </a:r>
+          </a:p>
+          <a:p>
+            <a:r>
+              <a:rPr lang="en-IN" sz="1050" b="0" dirty="0">
+                <a:solidFill>
+                  <a:srgbClr val="000000"/>
+                </a:solidFill>
+                <a:effectLst/>
+                <a:latin typeface="Consolas" panose="020B0609020204030204" pitchFamily="49" charset="0"/>
+              </a:rPr>
+              <a:t>    </a:t>
+            </a:r>
+            <a:r>
+              <a:rPr lang="en-IN" sz="1050" b="0" dirty="0" err="1">
+                <a:solidFill>
+                  <a:srgbClr val="000000"/>
+                </a:solidFill>
+                <a:effectLst/>
+                <a:latin typeface="Consolas" panose="020B0609020204030204" pitchFamily="49" charset="0"/>
+              </a:rPr>
+              <a:t>nameChange</a:t>
+            </a:r>
+            <a:r>
+              <a:rPr lang="en-IN" sz="1050" b="0" dirty="0">
+                <a:solidFill>
+                  <a:srgbClr val="000000"/>
+                </a:solidFill>
+                <a:effectLst/>
+                <a:latin typeface="Consolas" panose="020B0609020204030204" pitchFamily="49" charset="0"/>
+              </a:rPr>
+              <a:t> = (</a:t>
+            </a:r>
+            <a:r>
+              <a:rPr lang="en-IN" sz="1050" b="0" dirty="0" err="1">
+                <a:solidFill>
+                  <a:srgbClr val="000000"/>
+                </a:solidFill>
+                <a:effectLst/>
+                <a:latin typeface="Consolas" panose="020B0609020204030204" pitchFamily="49" charset="0"/>
+              </a:rPr>
+              <a:t>event:FormEvent</a:t>
+            </a:r>
+            <a:r>
+              <a:rPr lang="en-IN" sz="1050" b="0" dirty="0">
+                <a:solidFill>
+                  <a:srgbClr val="000000"/>
+                </a:solidFill>
+                <a:effectLst/>
+                <a:latin typeface="Consolas" panose="020B0609020204030204" pitchFamily="49" charset="0"/>
+              </a:rPr>
+              <a:t>&lt;</a:t>
+            </a:r>
+            <a:r>
+              <a:rPr lang="en-IN" sz="1050" b="0" dirty="0" err="1">
+                <a:solidFill>
+                  <a:srgbClr val="000000"/>
+                </a:solidFill>
+                <a:effectLst/>
+                <a:latin typeface="Consolas" panose="020B0609020204030204" pitchFamily="49" charset="0"/>
+              </a:rPr>
+              <a:t>HTMLInputElement</a:t>
+            </a:r>
+            <a:r>
+              <a:rPr lang="en-IN" sz="1050" b="0" dirty="0">
+                <a:solidFill>
+                  <a:srgbClr val="000000"/>
+                </a:solidFill>
+                <a:effectLst/>
+                <a:latin typeface="Consolas" panose="020B0609020204030204" pitchFamily="49" charset="0"/>
+              </a:rPr>
+              <a:t>&gt;):void</a:t>
+            </a:r>
+            <a:r>
+              <a:rPr lang="en-IN" sz="1050" b="0" dirty="0">
+                <a:solidFill>
+                  <a:srgbClr val="0000FF"/>
+                </a:solidFill>
+                <a:effectLst/>
+                <a:latin typeface="Consolas" panose="020B0609020204030204" pitchFamily="49" charset="0"/>
+              </a:rPr>
+              <a:t>=&gt;</a:t>
+            </a:r>
+            <a:r>
+              <a:rPr lang="en-IN" sz="1050" b="0" dirty="0">
+                <a:solidFill>
+                  <a:srgbClr val="000000"/>
+                </a:solidFill>
+                <a:effectLst/>
+                <a:latin typeface="Consolas" panose="020B0609020204030204" pitchFamily="49" charset="0"/>
+              </a:rPr>
+              <a:t>{</a:t>
+            </a:r>
+          </a:p>
+          <a:p>
+            <a:r>
+              <a:rPr lang="en-IN" sz="1050" b="0" dirty="0">
+                <a:solidFill>
+                  <a:srgbClr val="000000"/>
+                </a:solidFill>
+                <a:effectLst/>
+                <a:latin typeface="Consolas" panose="020B0609020204030204" pitchFamily="49" charset="0"/>
+              </a:rPr>
+              <a:t>      </a:t>
+            </a:r>
+            <a:r>
+              <a:rPr lang="en-IN" sz="1050" b="0" dirty="0" err="1">
+                <a:solidFill>
+                  <a:srgbClr val="0000FF"/>
+                </a:solidFill>
+                <a:effectLst/>
+                <a:latin typeface="Consolas" panose="020B0609020204030204" pitchFamily="49" charset="0"/>
+              </a:rPr>
+              <a:t>this</a:t>
+            </a:r>
+            <a:r>
+              <a:rPr lang="en-IN" sz="1050" b="0" dirty="0" err="1">
+                <a:solidFill>
+                  <a:srgbClr val="000000"/>
+                </a:solidFill>
+                <a:effectLst/>
+                <a:latin typeface="Consolas" panose="020B0609020204030204" pitchFamily="49" charset="0"/>
+              </a:rPr>
+              <a:t>.setState</a:t>
+            </a:r>
+            <a:r>
+              <a:rPr lang="en-IN" sz="1050" b="0" dirty="0">
+                <a:solidFill>
+                  <a:srgbClr val="000000"/>
+                </a:solidFill>
+                <a:effectLst/>
+                <a:latin typeface="Consolas" panose="020B0609020204030204" pitchFamily="49" charset="0"/>
+              </a:rPr>
+              <a:t>({</a:t>
+            </a:r>
+            <a:r>
+              <a:rPr lang="en-IN" sz="1050" b="0" dirty="0" err="1">
+                <a:solidFill>
+                  <a:srgbClr val="000000"/>
+                </a:solidFill>
+                <a:effectLst/>
+                <a:latin typeface="Consolas" panose="020B0609020204030204" pitchFamily="49" charset="0"/>
+              </a:rPr>
+              <a:t>name:event.currentTarget.value</a:t>
+            </a:r>
+            <a:r>
+              <a:rPr lang="en-IN" sz="1050" b="0" dirty="0">
+                <a:solidFill>
+                  <a:srgbClr val="000000"/>
+                </a:solidFill>
+                <a:effectLst/>
+                <a:latin typeface="Consolas" panose="020B0609020204030204" pitchFamily="49" charset="0"/>
+              </a:rPr>
+              <a:t>});</a:t>
+            </a:r>
+          </a:p>
+          <a:p>
+            <a:r>
+              <a:rPr lang="en-IN" sz="1050" b="0" dirty="0">
+                <a:solidFill>
+                  <a:srgbClr val="000000"/>
+                </a:solidFill>
+                <a:effectLst/>
+                <a:latin typeface="Consolas" panose="020B0609020204030204" pitchFamily="49" charset="0"/>
+              </a:rPr>
+              <a:t>    }</a:t>
+            </a:r>
+          </a:p>
+          <a:p>
+            <a:br>
+              <a:rPr lang="en-IN" sz="1050" b="0" dirty="0">
+                <a:solidFill>
+                  <a:srgbClr val="000000"/>
+                </a:solidFill>
+                <a:effectLst/>
+                <a:latin typeface="Consolas" panose="020B0609020204030204" pitchFamily="49" charset="0"/>
+              </a:rPr>
+            </a:br>
+            <a:r>
+              <a:rPr lang="en-IN" sz="1050" b="0" dirty="0">
+                <a:solidFill>
+                  <a:srgbClr val="000000"/>
+                </a:solidFill>
+                <a:effectLst/>
+                <a:latin typeface="Consolas" panose="020B0609020204030204" pitchFamily="49" charset="0"/>
+              </a:rPr>
+              <a:t>    </a:t>
+            </a:r>
+            <a:r>
+              <a:rPr lang="en-IN" sz="1050" b="0" dirty="0" err="1">
+                <a:solidFill>
+                  <a:srgbClr val="000000"/>
+                </a:solidFill>
+                <a:effectLst/>
+                <a:latin typeface="Consolas" panose="020B0609020204030204" pitchFamily="49" charset="0"/>
+              </a:rPr>
+              <a:t>mySubmit</a:t>
+            </a:r>
+            <a:r>
+              <a:rPr lang="en-IN" sz="1050" b="0" dirty="0">
+                <a:solidFill>
+                  <a:srgbClr val="000000"/>
+                </a:solidFill>
+                <a:effectLst/>
+                <a:latin typeface="Consolas" panose="020B0609020204030204" pitchFamily="49" charset="0"/>
+              </a:rPr>
+              <a:t> =():void</a:t>
+            </a:r>
+            <a:r>
+              <a:rPr lang="en-IN" sz="1050" b="0" dirty="0">
+                <a:solidFill>
+                  <a:srgbClr val="0000FF"/>
+                </a:solidFill>
+                <a:effectLst/>
+                <a:latin typeface="Consolas" panose="020B0609020204030204" pitchFamily="49" charset="0"/>
+              </a:rPr>
+              <a:t>=&gt;</a:t>
+            </a:r>
+            <a:r>
+              <a:rPr lang="en-IN" sz="1050" b="0" dirty="0">
+                <a:solidFill>
+                  <a:srgbClr val="000000"/>
+                </a:solidFill>
+                <a:effectLst/>
+                <a:latin typeface="Consolas" panose="020B0609020204030204" pitchFamily="49" charset="0"/>
+              </a:rPr>
+              <a:t>{</a:t>
+            </a:r>
+          </a:p>
+          <a:p>
+            <a:r>
+              <a:rPr lang="en-IN" sz="1050" b="0" dirty="0">
+                <a:solidFill>
+                  <a:srgbClr val="000000"/>
+                </a:solidFill>
+                <a:effectLst/>
+                <a:latin typeface="Consolas" panose="020B0609020204030204" pitchFamily="49" charset="0"/>
+              </a:rPr>
+              <a:t>         alert(</a:t>
+            </a:r>
+            <a:r>
+              <a:rPr lang="en-IN" sz="1050" b="0" dirty="0">
+                <a:solidFill>
+                  <a:srgbClr val="0000FF"/>
+                </a:solidFill>
+                <a:effectLst/>
+                <a:latin typeface="Consolas" panose="020B0609020204030204" pitchFamily="49" charset="0"/>
+              </a:rPr>
+              <a:t>this</a:t>
+            </a:r>
+            <a:r>
+              <a:rPr lang="en-IN" sz="1050" b="0" dirty="0">
+                <a:solidFill>
+                  <a:srgbClr val="000000"/>
+                </a:solidFill>
+                <a:effectLst/>
+                <a:latin typeface="Consolas" panose="020B0609020204030204" pitchFamily="49" charset="0"/>
+              </a:rPr>
+              <a:t>.state.name);</a:t>
+            </a:r>
+          </a:p>
+          <a:p>
+            <a:r>
+              <a:rPr lang="en-IN" sz="1050" b="0" dirty="0">
+                <a:solidFill>
+                  <a:srgbClr val="000000"/>
+                </a:solidFill>
+                <a:effectLst/>
+                <a:latin typeface="Consolas" panose="020B0609020204030204" pitchFamily="49" charset="0"/>
+              </a:rPr>
+              <a:t>    }</a:t>
+            </a:r>
+          </a:p>
+          <a:p>
+            <a:br>
+              <a:rPr lang="en-IN" sz="1050" b="0" dirty="0">
+                <a:solidFill>
+                  <a:srgbClr val="000000"/>
+                </a:solidFill>
+                <a:effectLst/>
+                <a:latin typeface="Consolas" panose="020B0609020204030204" pitchFamily="49" charset="0"/>
+              </a:rPr>
+            </a:br>
+            <a:r>
+              <a:rPr lang="en-IN" sz="1050" b="0" dirty="0">
+                <a:solidFill>
+                  <a:srgbClr val="000000"/>
+                </a:solidFill>
+                <a:effectLst/>
+                <a:latin typeface="Consolas" panose="020B0609020204030204" pitchFamily="49" charset="0"/>
+              </a:rPr>
+              <a:t>    render(){</a:t>
+            </a:r>
+          </a:p>
+          <a:p>
+            <a:r>
+              <a:rPr lang="en-IN" sz="1050" b="0" dirty="0">
+                <a:solidFill>
+                  <a:srgbClr val="000000"/>
+                </a:solidFill>
+                <a:effectLst/>
+                <a:latin typeface="Consolas" panose="020B0609020204030204" pitchFamily="49" charset="0"/>
+              </a:rPr>
+              <a:t>        </a:t>
+            </a:r>
+            <a:r>
+              <a:rPr lang="en-IN" sz="1050" b="0" dirty="0">
+                <a:solidFill>
+                  <a:srgbClr val="0000FF"/>
+                </a:solidFill>
+                <a:effectLst/>
+                <a:latin typeface="Consolas" panose="020B0609020204030204" pitchFamily="49" charset="0"/>
+              </a:rPr>
+              <a:t>return</a:t>
+            </a:r>
+            <a:r>
+              <a:rPr lang="en-IN" sz="1050" b="0" dirty="0">
+                <a:solidFill>
+                  <a:srgbClr val="000000"/>
+                </a:solidFill>
+                <a:effectLst/>
+                <a:latin typeface="Consolas" panose="020B0609020204030204" pitchFamily="49" charset="0"/>
+              </a:rPr>
+              <a:t> (</a:t>
+            </a:r>
+          </a:p>
+          <a:p>
+            <a:r>
+              <a:rPr lang="en-IN" sz="1050" b="0" dirty="0">
+                <a:solidFill>
+                  <a:srgbClr val="000000"/>
+                </a:solidFill>
+                <a:effectLst/>
+                <a:latin typeface="Consolas" panose="020B0609020204030204" pitchFamily="49" charset="0"/>
+              </a:rPr>
+              <a:t>            </a:t>
+            </a:r>
+            <a:r>
+              <a:rPr lang="en-IN" sz="1050" b="0" dirty="0">
+                <a:solidFill>
+                  <a:srgbClr val="800000"/>
+                </a:solidFill>
+                <a:effectLst/>
+                <a:latin typeface="Consolas" panose="020B0609020204030204" pitchFamily="49" charset="0"/>
+              </a:rPr>
+              <a:t>&lt;&gt;</a:t>
+            </a:r>
+            <a:endParaRPr lang="en-IN" sz="1050" b="0" dirty="0">
+              <a:solidFill>
+                <a:srgbClr val="000000"/>
+              </a:solidFill>
+              <a:effectLst/>
+              <a:latin typeface="Consolas" panose="020B0609020204030204" pitchFamily="49" charset="0"/>
+            </a:endParaRPr>
+          </a:p>
+          <a:p>
+            <a:r>
+              <a:rPr lang="en-IN" sz="1050" b="0" dirty="0">
+                <a:solidFill>
+                  <a:srgbClr val="000000"/>
+                </a:solidFill>
+                <a:effectLst/>
+                <a:latin typeface="Consolas" panose="020B0609020204030204" pitchFamily="49" charset="0"/>
+              </a:rPr>
+              <a:t>            </a:t>
+            </a:r>
+            <a:r>
+              <a:rPr lang="en-IN" sz="1050" b="0" dirty="0">
+                <a:solidFill>
+                  <a:srgbClr val="800000"/>
+                </a:solidFill>
+                <a:effectLst/>
+                <a:latin typeface="Consolas" panose="020B0609020204030204" pitchFamily="49" charset="0"/>
+              </a:rPr>
+              <a:t>&lt;form</a:t>
+            </a:r>
+            <a:r>
+              <a:rPr lang="en-IN" sz="1050" b="0" dirty="0">
+                <a:solidFill>
+                  <a:srgbClr val="000000"/>
+                </a:solidFill>
+                <a:effectLst/>
+                <a:latin typeface="Consolas" panose="020B0609020204030204" pitchFamily="49" charset="0"/>
+              </a:rPr>
+              <a:t> </a:t>
+            </a:r>
+            <a:r>
+              <a:rPr lang="en-IN" sz="1050" b="0" dirty="0" err="1">
+                <a:solidFill>
+                  <a:srgbClr val="FF0000"/>
+                </a:solidFill>
+                <a:effectLst/>
+                <a:latin typeface="Consolas" panose="020B0609020204030204" pitchFamily="49" charset="0"/>
+              </a:rPr>
+              <a:t>onSubmit</a:t>
+            </a:r>
+            <a:r>
+              <a:rPr lang="en-IN" sz="1050" b="0" dirty="0">
+                <a:solidFill>
+                  <a:srgbClr val="000000"/>
+                </a:solidFill>
+                <a:effectLst/>
+                <a:latin typeface="Consolas" panose="020B0609020204030204" pitchFamily="49" charset="0"/>
+              </a:rPr>
+              <a:t>=</a:t>
+            </a:r>
+            <a:r>
+              <a:rPr lang="en-IN" sz="1050" b="0" dirty="0">
+                <a:solidFill>
+                  <a:srgbClr val="0000FF"/>
+                </a:solidFill>
+                <a:effectLst/>
+                <a:latin typeface="Consolas" panose="020B0609020204030204" pitchFamily="49" charset="0"/>
+              </a:rPr>
+              <a:t>{</a:t>
+            </a:r>
+            <a:r>
+              <a:rPr lang="en-IN" sz="1050" b="0" dirty="0" err="1">
+                <a:solidFill>
+                  <a:srgbClr val="0000FF"/>
+                </a:solidFill>
+                <a:effectLst/>
+                <a:latin typeface="Consolas" panose="020B0609020204030204" pitchFamily="49" charset="0"/>
+              </a:rPr>
+              <a:t>this</a:t>
+            </a:r>
+            <a:r>
+              <a:rPr lang="en-IN" sz="1050" b="0" dirty="0" err="1">
+                <a:solidFill>
+                  <a:srgbClr val="000000"/>
+                </a:solidFill>
+                <a:effectLst/>
+                <a:latin typeface="Consolas" panose="020B0609020204030204" pitchFamily="49" charset="0"/>
+              </a:rPr>
+              <a:t>.mySubmit</a:t>
+            </a:r>
+            <a:r>
+              <a:rPr lang="en-IN" sz="1050" b="0" dirty="0">
+                <a:solidFill>
+                  <a:srgbClr val="0000FF"/>
+                </a:solidFill>
+                <a:effectLst/>
+                <a:latin typeface="Consolas" panose="020B0609020204030204" pitchFamily="49" charset="0"/>
+              </a:rPr>
+              <a:t>}</a:t>
+            </a:r>
+            <a:r>
+              <a:rPr lang="en-IN" sz="1050" b="0" dirty="0">
+                <a:solidFill>
+                  <a:srgbClr val="800000"/>
+                </a:solidFill>
+                <a:effectLst/>
+                <a:latin typeface="Consolas" panose="020B0609020204030204" pitchFamily="49" charset="0"/>
+              </a:rPr>
+              <a:t>&gt;</a:t>
+            </a:r>
+            <a:endParaRPr lang="en-IN" sz="1050" b="0" dirty="0">
+              <a:solidFill>
+                <a:srgbClr val="000000"/>
+              </a:solidFill>
+              <a:effectLst/>
+              <a:latin typeface="Consolas" panose="020B0609020204030204" pitchFamily="49" charset="0"/>
+            </a:endParaRPr>
+          </a:p>
+          <a:p>
+            <a:r>
+              <a:rPr lang="en-IN" sz="1050" b="0" dirty="0">
+                <a:solidFill>
+                  <a:srgbClr val="000000"/>
+                </a:solidFill>
+                <a:effectLst/>
+                <a:latin typeface="Consolas" panose="020B0609020204030204" pitchFamily="49" charset="0"/>
+              </a:rPr>
+              <a:t>                </a:t>
+            </a:r>
+            <a:r>
+              <a:rPr lang="en-IN" sz="1050" b="0" dirty="0">
+                <a:solidFill>
+                  <a:srgbClr val="800000"/>
+                </a:solidFill>
+                <a:effectLst/>
+                <a:latin typeface="Consolas" panose="020B0609020204030204" pitchFamily="49" charset="0"/>
+              </a:rPr>
+              <a:t>&lt;input</a:t>
+            </a:r>
+            <a:r>
+              <a:rPr lang="en-IN" sz="1050" b="0" dirty="0">
+                <a:solidFill>
+                  <a:srgbClr val="000000"/>
+                </a:solidFill>
+                <a:effectLst/>
+                <a:latin typeface="Consolas" panose="020B0609020204030204" pitchFamily="49" charset="0"/>
+              </a:rPr>
+              <a:t> </a:t>
+            </a:r>
+            <a:r>
+              <a:rPr lang="en-IN" sz="1050" b="0" dirty="0">
+                <a:solidFill>
+                  <a:srgbClr val="FF0000"/>
+                </a:solidFill>
+                <a:effectLst/>
+                <a:latin typeface="Consolas" panose="020B0609020204030204" pitchFamily="49" charset="0"/>
+              </a:rPr>
+              <a:t>type</a:t>
+            </a:r>
+            <a:r>
+              <a:rPr lang="en-IN" sz="1050" b="0" dirty="0">
+                <a:solidFill>
+                  <a:srgbClr val="000000"/>
+                </a:solidFill>
+                <a:effectLst/>
+                <a:latin typeface="Consolas" panose="020B0609020204030204" pitchFamily="49" charset="0"/>
+              </a:rPr>
+              <a:t>=</a:t>
+            </a:r>
+            <a:r>
+              <a:rPr lang="en-IN" sz="1050" b="0" dirty="0">
+                <a:solidFill>
+                  <a:srgbClr val="A31515"/>
+                </a:solidFill>
+                <a:effectLst/>
+                <a:latin typeface="Consolas" panose="020B0609020204030204" pitchFamily="49" charset="0"/>
+              </a:rPr>
+              <a:t>"text"</a:t>
+            </a:r>
+            <a:r>
+              <a:rPr lang="en-IN" sz="1050" b="0" dirty="0">
+                <a:solidFill>
+                  <a:srgbClr val="000000"/>
+                </a:solidFill>
+                <a:effectLst/>
+                <a:latin typeface="Consolas" panose="020B0609020204030204" pitchFamily="49" charset="0"/>
+              </a:rPr>
+              <a:t> </a:t>
+            </a:r>
+            <a:r>
+              <a:rPr lang="en-IN" sz="1050" b="0" dirty="0">
+                <a:solidFill>
+                  <a:srgbClr val="FF0000"/>
+                </a:solidFill>
+                <a:effectLst/>
+                <a:latin typeface="Consolas" panose="020B0609020204030204" pitchFamily="49" charset="0"/>
+              </a:rPr>
+              <a:t>name</a:t>
+            </a:r>
+            <a:r>
+              <a:rPr lang="en-IN" sz="1050" b="0" dirty="0">
+                <a:solidFill>
+                  <a:srgbClr val="000000"/>
+                </a:solidFill>
+                <a:effectLst/>
+                <a:latin typeface="Consolas" panose="020B0609020204030204" pitchFamily="49" charset="0"/>
+              </a:rPr>
+              <a:t>=</a:t>
+            </a:r>
+            <a:r>
+              <a:rPr lang="en-IN" sz="1050" b="0" dirty="0">
+                <a:solidFill>
+                  <a:srgbClr val="A31515"/>
+                </a:solidFill>
+                <a:effectLst/>
+                <a:latin typeface="Consolas" panose="020B0609020204030204" pitchFamily="49" charset="0"/>
+              </a:rPr>
+              <a:t>"name"</a:t>
+            </a:r>
+            <a:r>
+              <a:rPr lang="en-IN" sz="1050" b="0" dirty="0">
+                <a:solidFill>
+                  <a:srgbClr val="000000"/>
+                </a:solidFill>
+                <a:effectLst/>
+                <a:latin typeface="Consolas" panose="020B0609020204030204" pitchFamily="49" charset="0"/>
+              </a:rPr>
+              <a:t> </a:t>
+            </a:r>
+            <a:r>
+              <a:rPr lang="en-IN" sz="1050" b="0" dirty="0" err="1">
+                <a:solidFill>
+                  <a:srgbClr val="FF0000"/>
+                </a:solidFill>
+                <a:effectLst/>
+                <a:latin typeface="Consolas" panose="020B0609020204030204" pitchFamily="49" charset="0"/>
+              </a:rPr>
+              <a:t>onChange</a:t>
+            </a:r>
+            <a:r>
+              <a:rPr lang="en-IN" sz="1050" b="0" dirty="0">
+                <a:solidFill>
+                  <a:srgbClr val="000000"/>
+                </a:solidFill>
+                <a:effectLst/>
+                <a:latin typeface="Consolas" panose="020B0609020204030204" pitchFamily="49" charset="0"/>
+              </a:rPr>
+              <a:t>=</a:t>
+            </a:r>
+            <a:r>
+              <a:rPr lang="en-IN" sz="1050" b="0" dirty="0">
+                <a:solidFill>
+                  <a:srgbClr val="0000FF"/>
+                </a:solidFill>
+                <a:effectLst/>
+                <a:latin typeface="Consolas" panose="020B0609020204030204" pitchFamily="49" charset="0"/>
+              </a:rPr>
+              <a:t>{</a:t>
+            </a:r>
+            <a:r>
+              <a:rPr lang="en-IN" sz="1050" b="0" dirty="0" err="1">
+                <a:solidFill>
+                  <a:srgbClr val="0000FF"/>
+                </a:solidFill>
+                <a:effectLst/>
+                <a:latin typeface="Consolas" panose="020B0609020204030204" pitchFamily="49" charset="0"/>
+              </a:rPr>
+              <a:t>this</a:t>
+            </a:r>
+            <a:r>
+              <a:rPr lang="en-IN" sz="1050" b="0" dirty="0" err="1">
+                <a:solidFill>
+                  <a:srgbClr val="000000"/>
+                </a:solidFill>
+                <a:effectLst/>
+                <a:latin typeface="Consolas" panose="020B0609020204030204" pitchFamily="49" charset="0"/>
+              </a:rPr>
+              <a:t>.nameChange</a:t>
+            </a:r>
+            <a:r>
+              <a:rPr lang="en-IN" sz="1050" b="0" dirty="0">
+                <a:solidFill>
+                  <a:srgbClr val="0000FF"/>
+                </a:solidFill>
+                <a:effectLst/>
+                <a:latin typeface="Consolas" panose="020B0609020204030204" pitchFamily="49" charset="0"/>
+              </a:rPr>
+              <a:t>}</a:t>
+            </a:r>
+            <a:r>
+              <a:rPr lang="en-IN" sz="1050" b="0" dirty="0">
+                <a:solidFill>
+                  <a:srgbClr val="000000"/>
+                </a:solidFill>
+                <a:effectLst/>
+                <a:latin typeface="Consolas" panose="020B0609020204030204" pitchFamily="49" charset="0"/>
+              </a:rPr>
+              <a:t> </a:t>
+            </a:r>
+            <a:r>
+              <a:rPr lang="en-IN" sz="1050" b="0" dirty="0">
+                <a:solidFill>
+                  <a:srgbClr val="FF0000"/>
+                </a:solidFill>
+                <a:effectLst/>
+                <a:latin typeface="Consolas" panose="020B0609020204030204" pitchFamily="49" charset="0"/>
+              </a:rPr>
+              <a:t>value</a:t>
+            </a:r>
+            <a:r>
+              <a:rPr lang="en-IN" sz="1050" b="0" dirty="0">
+                <a:solidFill>
+                  <a:srgbClr val="000000"/>
+                </a:solidFill>
+                <a:effectLst/>
+                <a:latin typeface="Consolas" panose="020B0609020204030204" pitchFamily="49" charset="0"/>
+              </a:rPr>
+              <a:t> =</a:t>
+            </a:r>
+            <a:r>
+              <a:rPr lang="en-IN" sz="1050" b="0" dirty="0">
+                <a:solidFill>
+                  <a:srgbClr val="0000FF"/>
+                </a:solidFill>
+                <a:effectLst/>
+                <a:latin typeface="Consolas" panose="020B0609020204030204" pitchFamily="49" charset="0"/>
+              </a:rPr>
+              <a:t>{this</a:t>
+            </a:r>
+            <a:r>
+              <a:rPr lang="en-IN" sz="1050" b="0" dirty="0">
+                <a:solidFill>
+                  <a:srgbClr val="000000"/>
+                </a:solidFill>
+                <a:effectLst/>
+                <a:latin typeface="Consolas" panose="020B0609020204030204" pitchFamily="49" charset="0"/>
+              </a:rPr>
+              <a:t>.state.name</a:t>
+            </a:r>
+            <a:r>
+              <a:rPr lang="en-IN" sz="1050" b="0" dirty="0">
+                <a:solidFill>
+                  <a:srgbClr val="0000FF"/>
+                </a:solidFill>
+                <a:effectLst/>
+                <a:latin typeface="Consolas" panose="020B0609020204030204" pitchFamily="49" charset="0"/>
+              </a:rPr>
+              <a:t>}</a:t>
+            </a:r>
+            <a:r>
+              <a:rPr lang="en-IN" sz="1050" b="0" dirty="0">
+                <a:solidFill>
+                  <a:srgbClr val="800000"/>
+                </a:solidFill>
+                <a:effectLst/>
+                <a:latin typeface="Consolas" panose="020B0609020204030204" pitchFamily="49" charset="0"/>
+              </a:rPr>
+              <a:t>/&gt;</a:t>
+            </a:r>
+            <a:endParaRPr lang="en-IN" sz="1050" b="0" dirty="0">
+              <a:solidFill>
+                <a:srgbClr val="000000"/>
+              </a:solidFill>
+              <a:effectLst/>
+              <a:latin typeface="Consolas" panose="020B0609020204030204" pitchFamily="49" charset="0"/>
+            </a:endParaRPr>
+          </a:p>
+          <a:p>
+            <a:r>
+              <a:rPr lang="en-IN" sz="1050" b="0" dirty="0">
+                <a:solidFill>
+                  <a:srgbClr val="000000"/>
+                </a:solidFill>
+                <a:effectLst/>
+                <a:latin typeface="Consolas" panose="020B0609020204030204" pitchFamily="49" charset="0"/>
+              </a:rPr>
+              <a:t>                </a:t>
+            </a:r>
+            <a:r>
+              <a:rPr lang="en-IN" sz="1050" b="0" dirty="0">
+                <a:solidFill>
+                  <a:srgbClr val="800000"/>
+                </a:solidFill>
+                <a:effectLst/>
+                <a:latin typeface="Consolas" panose="020B0609020204030204" pitchFamily="49" charset="0"/>
+              </a:rPr>
+              <a:t>&lt;button</a:t>
+            </a:r>
+            <a:r>
+              <a:rPr lang="en-IN" sz="1050" b="0" dirty="0">
+                <a:solidFill>
+                  <a:srgbClr val="000000"/>
+                </a:solidFill>
+                <a:effectLst/>
+                <a:latin typeface="Consolas" panose="020B0609020204030204" pitchFamily="49" charset="0"/>
+              </a:rPr>
+              <a:t> </a:t>
+            </a:r>
+            <a:r>
+              <a:rPr lang="en-IN" sz="1050" b="0" dirty="0">
+                <a:solidFill>
+                  <a:srgbClr val="FF0000"/>
+                </a:solidFill>
+                <a:effectLst/>
+                <a:latin typeface="Consolas" panose="020B0609020204030204" pitchFamily="49" charset="0"/>
+              </a:rPr>
+              <a:t>type</a:t>
+            </a:r>
+            <a:r>
+              <a:rPr lang="en-IN" sz="1050" b="0" dirty="0">
+                <a:solidFill>
+                  <a:srgbClr val="000000"/>
+                </a:solidFill>
+                <a:effectLst/>
+                <a:latin typeface="Consolas" panose="020B0609020204030204" pitchFamily="49" charset="0"/>
+              </a:rPr>
+              <a:t>=</a:t>
+            </a:r>
+            <a:r>
+              <a:rPr lang="en-IN" sz="1050" b="0" dirty="0">
+                <a:solidFill>
+                  <a:srgbClr val="A31515"/>
+                </a:solidFill>
+                <a:effectLst/>
+                <a:latin typeface="Consolas" panose="020B0609020204030204" pitchFamily="49" charset="0"/>
+              </a:rPr>
+              <a:t>"submit"</a:t>
+            </a:r>
+            <a:r>
+              <a:rPr lang="en-IN" sz="1050" b="0" dirty="0">
+                <a:solidFill>
+                  <a:srgbClr val="800000"/>
+                </a:solidFill>
+                <a:effectLst/>
+                <a:latin typeface="Consolas" panose="020B0609020204030204" pitchFamily="49" charset="0"/>
+              </a:rPr>
+              <a:t>&gt;</a:t>
+            </a:r>
+            <a:r>
+              <a:rPr lang="en-IN" sz="1050" b="0" dirty="0">
+                <a:solidFill>
+                  <a:srgbClr val="000000"/>
+                </a:solidFill>
+                <a:effectLst/>
+                <a:latin typeface="Consolas" panose="020B0609020204030204" pitchFamily="49" charset="0"/>
+              </a:rPr>
+              <a:t>Submit</a:t>
+            </a:r>
+            <a:r>
+              <a:rPr lang="en-IN" sz="1050" b="0" dirty="0">
+                <a:solidFill>
+                  <a:srgbClr val="800000"/>
+                </a:solidFill>
+                <a:effectLst/>
+                <a:latin typeface="Consolas" panose="020B0609020204030204" pitchFamily="49" charset="0"/>
+              </a:rPr>
+              <a:t>&lt;/button&gt;</a:t>
+            </a:r>
+            <a:endParaRPr lang="en-IN" sz="1050" b="0" dirty="0">
+              <a:solidFill>
+                <a:srgbClr val="000000"/>
+              </a:solidFill>
+              <a:effectLst/>
+              <a:latin typeface="Consolas" panose="020B0609020204030204" pitchFamily="49" charset="0"/>
+            </a:endParaRPr>
+          </a:p>
+          <a:p>
+            <a:r>
+              <a:rPr lang="en-IN" sz="1050" b="0" dirty="0">
+                <a:solidFill>
+                  <a:srgbClr val="000000"/>
+                </a:solidFill>
+                <a:effectLst/>
+                <a:latin typeface="Consolas" panose="020B0609020204030204" pitchFamily="49" charset="0"/>
+              </a:rPr>
+              <a:t>            </a:t>
+            </a:r>
+            <a:r>
+              <a:rPr lang="en-IN" sz="1050" b="0" dirty="0">
+                <a:solidFill>
+                  <a:srgbClr val="800000"/>
+                </a:solidFill>
+                <a:effectLst/>
+                <a:latin typeface="Consolas" panose="020B0609020204030204" pitchFamily="49" charset="0"/>
+              </a:rPr>
+              <a:t>&lt;/form&gt;</a:t>
+            </a:r>
+            <a:endParaRPr lang="en-IN" sz="1050" b="0" dirty="0">
+              <a:solidFill>
+                <a:srgbClr val="000000"/>
+              </a:solidFill>
+              <a:effectLst/>
+              <a:latin typeface="Consolas" panose="020B0609020204030204" pitchFamily="49" charset="0"/>
+            </a:endParaRPr>
+          </a:p>
+          <a:p>
+            <a:r>
+              <a:rPr lang="en-IN" sz="1050" b="0" dirty="0">
+                <a:solidFill>
+                  <a:srgbClr val="000000"/>
+                </a:solidFill>
+                <a:effectLst/>
+                <a:latin typeface="Consolas" panose="020B0609020204030204" pitchFamily="49" charset="0"/>
+              </a:rPr>
+              <a:t>            </a:t>
+            </a:r>
+            <a:r>
+              <a:rPr lang="en-IN" sz="1050" b="0" dirty="0">
+                <a:solidFill>
+                  <a:srgbClr val="800000"/>
+                </a:solidFill>
+                <a:effectLst/>
+                <a:latin typeface="Consolas" panose="020B0609020204030204" pitchFamily="49" charset="0"/>
+              </a:rPr>
+              <a:t>&lt;/&gt;</a:t>
+            </a:r>
+            <a:endParaRPr lang="en-IN" sz="1050" b="0" dirty="0">
+              <a:solidFill>
+                <a:srgbClr val="000000"/>
+              </a:solidFill>
+              <a:effectLst/>
+              <a:latin typeface="Consolas" panose="020B0609020204030204" pitchFamily="49" charset="0"/>
+            </a:endParaRPr>
+          </a:p>
+          <a:p>
+            <a:r>
+              <a:rPr lang="en-IN" sz="1050" b="0" dirty="0">
+                <a:solidFill>
+                  <a:srgbClr val="000000"/>
+                </a:solidFill>
+                <a:effectLst/>
+                <a:latin typeface="Consolas" panose="020B0609020204030204" pitchFamily="49" charset="0"/>
+              </a:rPr>
+              <a:t>        )</a:t>
+            </a:r>
+          </a:p>
+          <a:p>
+            <a:r>
+              <a:rPr lang="en-IN" sz="1050" b="0" dirty="0">
+                <a:solidFill>
+                  <a:srgbClr val="000000"/>
+                </a:solidFill>
+                <a:effectLst/>
+                <a:latin typeface="Consolas" panose="020B0609020204030204" pitchFamily="49" charset="0"/>
+              </a:rPr>
+              <a:t>    }</a:t>
+            </a:r>
+          </a:p>
+          <a:p>
+            <a:r>
+              <a:rPr lang="en-IN" sz="1050" b="0" dirty="0">
+                <a:solidFill>
+                  <a:srgbClr val="000000"/>
+                </a:solidFill>
+                <a:effectLst/>
+                <a:latin typeface="Consolas" panose="020B0609020204030204" pitchFamily="49" charset="0"/>
+              </a:rPr>
+              <a:t>}</a:t>
+            </a:r>
+          </a:p>
+          <a:p>
+            <a:r>
+              <a:rPr lang="en-IN" sz="1050" b="0" dirty="0">
+                <a:solidFill>
+                  <a:srgbClr val="0000FF"/>
+                </a:solidFill>
+                <a:effectLst/>
+                <a:latin typeface="Consolas" panose="020B0609020204030204" pitchFamily="49" charset="0"/>
+              </a:rPr>
+              <a:t>export</a:t>
+            </a:r>
+            <a:r>
+              <a:rPr lang="en-IN" sz="1050" b="0" dirty="0">
+                <a:solidFill>
+                  <a:srgbClr val="000000"/>
+                </a:solidFill>
+                <a:effectLst/>
+                <a:latin typeface="Consolas" panose="020B0609020204030204" pitchFamily="49" charset="0"/>
+              </a:rPr>
+              <a:t> </a:t>
+            </a:r>
+            <a:r>
+              <a:rPr lang="en-IN" sz="1050" b="0" dirty="0">
+                <a:solidFill>
+                  <a:srgbClr val="0000FF"/>
+                </a:solidFill>
+                <a:effectLst/>
+                <a:latin typeface="Consolas" panose="020B0609020204030204" pitchFamily="49" charset="0"/>
+              </a:rPr>
+              <a:t>default</a:t>
+            </a:r>
+            <a:r>
+              <a:rPr lang="en-IN" sz="1050" b="0" dirty="0">
+                <a:solidFill>
+                  <a:srgbClr val="000000"/>
+                </a:solidFill>
+                <a:effectLst/>
+                <a:latin typeface="Consolas" panose="020B0609020204030204" pitchFamily="49" charset="0"/>
+              </a:rPr>
+              <a:t> Events;</a:t>
+            </a:r>
+          </a:p>
+          <a:p>
+            <a:br>
+              <a:rPr lang="en-IN" sz="1050" b="0" dirty="0">
+                <a:solidFill>
+                  <a:srgbClr val="000000"/>
+                </a:solidFill>
+                <a:effectLst/>
+                <a:latin typeface="Consolas" panose="020B0609020204030204" pitchFamily="49" charset="0"/>
+              </a:rPr>
+            </a:br>
+            <a:endParaRPr lang="en-IN" sz="1050" b="0" dirty="0">
+              <a:solidFill>
+                <a:srgbClr val="000000"/>
+              </a:solidFill>
+              <a:effectLst/>
+              <a:latin typeface="Consolas" panose="020B0609020204030204" pitchFamily="49" charset="0"/>
+            </a:endParaRPr>
+          </a:p>
+        </p:txBody>
+      </p:sp>
+    </p:spTree>
+    <p:extLst>
+      <p:ext uri="{BB962C8B-B14F-4D97-AF65-F5344CB8AC3E}">
+        <p14:creationId xmlns:p14="http://schemas.microsoft.com/office/powerpoint/2010/main" val="1960497367"/>
       </p:ext>
     </p:extLst>
   </p:cSld>
